--- a/presentation/Key Escrow.pptx
+++ b/presentation/Key Escrow.pptx
@@ -5,27 +5,23 @@
     <p:sldMasterId id="2147483684" r:id="rId1"/>
   </p:sldMasterIdLst>
   <p:notesMasterIdLst>
-    <p:notesMasterId r:id="rId20"/>
+    <p:notesMasterId r:id="rId16"/>
   </p:notesMasterIdLst>
   <p:sldIdLst>
     <p:sldId id="256" r:id="rId2"/>
     <p:sldId id="257" r:id="rId3"/>
-    <p:sldId id="259" r:id="rId4"/>
-    <p:sldId id="260" r:id="rId5"/>
-    <p:sldId id="261" r:id="rId6"/>
-    <p:sldId id="262" r:id="rId7"/>
-    <p:sldId id="263" r:id="rId8"/>
-    <p:sldId id="264" r:id="rId9"/>
-    <p:sldId id="258" r:id="rId10"/>
-    <p:sldId id="265" r:id="rId11"/>
-    <p:sldId id="266" r:id="rId12"/>
-    <p:sldId id="267" r:id="rId13"/>
-    <p:sldId id="268" r:id="rId14"/>
-    <p:sldId id="269" r:id="rId15"/>
-    <p:sldId id="270" r:id="rId16"/>
-    <p:sldId id="271" r:id="rId17"/>
-    <p:sldId id="272" r:id="rId18"/>
-    <p:sldId id="273" r:id="rId19"/>
+    <p:sldId id="274" r:id="rId4"/>
+    <p:sldId id="259" r:id="rId5"/>
+    <p:sldId id="260" r:id="rId6"/>
+    <p:sldId id="261" r:id="rId7"/>
+    <p:sldId id="262" r:id="rId8"/>
+    <p:sldId id="263" r:id="rId9"/>
+    <p:sldId id="264" r:id="rId10"/>
+    <p:sldId id="258" r:id="rId11"/>
+    <p:sldId id="271" r:id="rId12"/>
+    <p:sldId id="272" r:id="rId13"/>
+    <p:sldId id="273" r:id="rId14"/>
+    <p:sldId id="275" r:id="rId15"/>
   </p:sldIdLst>
   <p:sldSz cx="9144000" cy="6858000" type="screen4x3"/>
   <p:notesSz cx="6858000" cy="9144000"/>
@@ -542,7 +538,7 @@
           <a:p>
             <a:fld id="{643144C5-ECC5-49F3-9342-B074B32588D6}" type="slidenum">
               <a:rPr lang="de-CH" smtClean="0"/>
-              <a:t>3</a:t>
+              <a:t>4</a:t>
             </a:fld>
             <a:endParaRPr lang="de-CH"/>
           </a:p>
@@ -5129,12 +5125,12 @@
       </p:grpSpPr>
       <p:sp>
         <p:nvSpPr>
-          <p:cNvPr id="2" name="Titel 1"/>
+          <p:cNvPr id="2" name="Inhaltsplatzhalter 1"/>
           <p:cNvSpPr>
             <a:spLocks noGrp="1"/>
           </p:cNvSpPr>
           <p:nvPr>
-            <p:ph type="title"/>
+            <p:ph idx="1"/>
           </p:nvPr>
         </p:nvSpPr>
         <p:spPr/>
@@ -5142,22 +5138,18 @@
           <a:bodyPr/>
           <a:lstStyle/>
           <a:p>
-            <a:r>
-              <a:rPr lang="de-CH" dirty="0" smtClean="0"/>
-              <a:t>Geschichte von Key Escrow</a:t>
-            </a:r>
-            <a:endParaRPr lang="de-CH" dirty="0"/>
-          </a:p>
-        </p:txBody>
-      </p:sp>
-      <p:sp>
-        <p:nvSpPr>
-          <p:cNvPr id="3" name="Inhaltsplatzhalter 2"/>
+            <a:endParaRPr lang="de-CH"/>
+          </a:p>
+        </p:txBody>
+      </p:sp>
+      <p:sp>
+        <p:nvSpPr>
+          <p:cNvPr id="3" name="Titel 2"/>
           <p:cNvSpPr>
             <a:spLocks noGrp="1"/>
           </p:cNvSpPr>
           <p:nvPr>
-            <p:ph idx="1"/>
+            <p:ph type="title"/>
           </p:nvPr>
         </p:nvSpPr>
         <p:spPr/>
@@ -5165,62 +5157,14 @@
           <a:bodyPr/>
           <a:lstStyle/>
           <a:p>
-            <a:r>
-              <a:rPr lang="de-CH" dirty="0" smtClean="0"/>
-              <a:t>USA: bereits in den 90er Jahre unter Präsident Clinton</a:t>
-            </a:r>
-          </a:p>
-          <a:p>
-            <a:pPr lvl="1"/>
-            <a:r>
-              <a:rPr lang="de-CH" dirty="0" smtClean="0"/>
-              <a:t>Clipper Chip &amp; </a:t>
-            </a:r>
-            <a:r>
-              <a:rPr lang="de-CH" dirty="0" err="1" smtClean="0"/>
-              <a:t>Escrowed</a:t>
-            </a:r>
-            <a:r>
-              <a:rPr lang="de-CH" dirty="0" smtClean="0"/>
-              <a:t> Encryption Standard</a:t>
-            </a:r>
-          </a:p>
-          <a:p>
-            <a:r>
-              <a:rPr lang="de-CH" dirty="0" smtClean="0"/>
-              <a:t>09/11: grössere Diskussionen weltweit</a:t>
-            </a:r>
-          </a:p>
-          <a:p>
-            <a:pPr lvl="1"/>
-            <a:r>
-              <a:rPr lang="de-CH" dirty="0" smtClean="0"/>
-              <a:t>Escrow Pflicht in den USA</a:t>
-            </a:r>
-          </a:p>
-          <a:p>
-            <a:pPr lvl="1"/>
-            <a:r>
-              <a:rPr lang="de-CH" dirty="0" smtClean="0"/>
-              <a:t>Escrow-Abklärungen in der Schweiz</a:t>
-            </a:r>
-          </a:p>
-          <a:p>
-            <a:pPr lvl="1"/>
             <a:endParaRPr lang="de-CH" dirty="0"/>
-          </a:p>
-          <a:p>
-            <a:r>
-              <a:rPr lang="de-CH" dirty="0" smtClean="0"/>
-              <a:t>Längere Zeit der Ruhe</a:t>
-            </a:r>
           </a:p>
         </p:txBody>
       </p:sp>
     </p:spTree>
     <p:extLst>
       <p:ext uri="{BB962C8B-B14F-4D97-AF65-F5344CB8AC3E}">
-        <p14:creationId xmlns:p14="http://schemas.microsoft.com/office/powerpoint/2010/main" val="3550471999"/>
+        <p14:creationId xmlns:p14="http://schemas.microsoft.com/office/powerpoint/2010/main" val="3157591909"/>
       </p:ext>
     </p:extLst>
   </p:cSld>
@@ -5256,649 +5200,6 @@
       </p:grpSpPr>
       <p:sp>
         <p:nvSpPr>
-          <p:cNvPr id="2" name="Titel 1"/>
-          <p:cNvSpPr>
-            <a:spLocks noGrp="1"/>
-          </p:cNvSpPr>
-          <p:nvPr>
-            <p:ph type="title"/>
-          </p:nvPr>
-        </p:nvSpPr>
-        <p:spPr/>
-        <p:txBody>
-          <a:bodyPr/>
-          <a:lstStyle/>
-          <a:p>
-            <a:r>
-              <a:rPr lang="de-CH" dirty="0" smtClean="0"/>
-              <a:t>Geschichte von Key Escrow</a:t>
-            </a:r>
-            <a:endParaRPr lang="de-CH" dirty="0"/>
-          </a:p>
-        </p:txBody>
-      </p:sp>
-      <p:sp>
-        <p:nvSpPr>
-          <p:cNvPr id="3" name="Inhaltsplatzhalter 2"/>
-          <p:cNvSpPr>
-            <a:spLocks noGrp="1"/>
-          </p:cNvSpPr>
-          <p:nvPr>
-            <p:ph idx="1"/>
-          </p:nvPr>
-        </p:nvSpPr>
-        <p:spPr/>
-        <p:txBody>
-          <a:bodyPr/>
-          <a:lstStyle/>
-          <a:p>
-            <a:endParaRPr lang="de-CH" dirty="0" smtClean="0"/>
-          </a:p>
-          <a:p>
-            <a:r>
-              <a:rPr lang="de-CH" dirty="0" smtClean="0"/>
-              <a:t>Aufflammen des Themas nach Anschlägen</a:t>
-            </a:r>
-          </a:p>
-          <a:p>
-            <a:pPr lvl="1"/>
-            <a:endParaRPr lang="de-CH" dirty="0" smtClean="0"/>
-          </a:p>
-          <a:p>
-            <a:pPr lvl="1"/>
-            <a:r>
-              <a:rPr lang="de-CH" dirty="0" smtClean="0"/>
-              <a:t>Cameron fordert Verschlüsselungsverbot (Jan 15)</a:t>
-            </a:r>
-          </a:p>
-          <a:p>
-            <a:pPr lvl="1"/>
-            <a:endParaRPr lang="de-CH" dirty="0" smtClean="0"/>
-          </a:p>
-          <a:p>
-            <a:pPr lvl="1"/>
-            <a:r>
-              <a:rPr lang="de-CH" dirty="0" smtClean="0"/>
-              <a:t>NSA Chef fordert Escrow Pflicht</a:t>
-            </a:r>
-          </a:p>
-        </p:txBody>
-      </p:sp>
-    </p:spTree>
-    <p:extLst>
-      <p:ext uri="{BB962C8B-B14F-4D97-AF65-F5344CB8AC3E}">
-        <p14:creationId xmlns:p14="http://schemas.microsoft.com/office/powerpoint/2010/main" val="4170724743"/>
-      </p:ext>
-    </p:extLst>
-  </p:cSld>
-  <p:clrMapOvr>
-    <a:masterClrMapping/>
-  </p:clrMapOvr>
-</p:sld>
-</file>
-
-<file path=ppt/slides/slide12.xml><?xml version="1.0" encoding="utf-8"?>
-<p:sld xmlns:a="http://schemas.openxmlformats.org/drawingml/2006/main" xmlns:r="http://schemas.openxmlformats.org/officeDocument/2006/relationships" xmlns:p="http://schemas.openxmlformats.org/presentationml/2006/main">
-  <p:cSld>
-    <p:spTree>
-      <p:nvGrpSpPr>
-        <p:cNvPr id="1" name=""/>
-        <p:cNvGrpSpPr/>
-        <p:nvPr/>
-      </p:nvGrpSpPr>
-      <p:grpSpPr>
-        <a:xfrm>
-          <a:off x="0" y="0"/>
-          <a:ext cx="0" cy="0"/>
-          <a:chOff x="0" y="0"/>
-          <a:chExt cx="0" cy="0"/>
-        </a:xfrm>
-      </p:grpSpPr>
-      <p:sp>
-        <p:nvSpPr>
-          <p:cNvPr id="2" name="Titel 1"/>
-          <p:cNvSpPr>
-            <a:spLocks noGrp="1"/>
-          </p:cNvSpPr>
-          <p:nvPr>
-            <p:ph type="title"/>
-          </p:nvPr>
-        </p:nvSpPr>
-        <p:spPr/>
-        <p:txBody>
-          <a:bodyPr>
-            <a:normAutofit fontScale="90000"/>
-          </a:bodyPr>
-          <a:lstStyle/>
-          <a:p>
-            <a:r>
-              <a:rPr lang="de-CH" dirty="0" smtClean="0"/>
-              <a:t>Anwendungsgebiete von Key Escrow</a:t>
-            </a:r>
-            <a:endParaRPr lang="de-CH" dirty="0"/>
-          </a:p>
-        </p:txBody>
-      </p:sp>
-      <p:sp>
-        <p:nvSpPr>
-          <p:cNvPr id="3" name="Inhaltsplatzhalter 2"/>
-          <p:cNvSpPr>
-            <a:spLocks noGrp="1"/>
-          </p:cNvSpPr>
-          <p:nvPr>
-            <p:ph idx="1"/>
-          </p:nvPr>
-        </p:nvSpPr>
-        <p:spPr/>
-        <p:txBody>
-          <a:bodyPr/>
-          <a:lstStyle/>
-          <a:p>
-            <a:endParaRPr lang="de-CH" dirty="0" smtClean="0"/>
-          </a:p>
-          <a:p>
-            <a:r>
-              <a:rPr lang="de-CH" dirty="0" smtClean="0"/>
-              <a:t>Zwei Sichtweisen</a:t>
-            </a:r>
-          </a:p>
-          <a:p>
-            <a:pPr lvl="1"/>
-            <a:endParaRPr lang="de-CH" dirty="0" smtClean="0"/>
-          </a:p>
-          <a:p>
-            <a:pPr lvl="1"/>
-            <a:r>
-              <a:rPr lang="de-CH" dirty="0" smtClean="0"/>
-              <a:t>Key Escrow als Staat</a:t>
-            </a:r>
-          </a:p>
-          <a:p>
-            <a:pPr lvl="1"/>
-            <a:endParaRPr lang="de-CH" dirty="0" smtClean="0"/>
-          </a:p>
-          <a:p>
-            <a:pPr lvl="1"/>
-            <a:r>
-              <a:rPr lang="de-CH" dirty="0" smtClean="0"/>
-              <a:t>Key Escrow in der Privatwirtschaft</a:t>
-            </a:r>
-            <a:endParaRPr lang="de-CH" dirty="0"/>
-          </a:p>
-        </p:txBody>
-      </p:sp>
-    </p:spTree>
-    <p:extLst>
-      <p:ext uri="{BB962C8B-B14F-4D97-AF65-F5344CB8AC3E}">
-        <p14:creationId xmlns:p14="http://schemas.microsoft.com/office/powerpoint/2010/main" val="64808850"/>
-      </p:ext>
-    </p:extLst>
-  </p:cSld>
-  <p:clrMapOvr>
-    <a:masterClrMapping/>
-  </p:clrMapOvr>
-</p:sld>
-</file>
-
-<file path=ppt/slides/slide13.xml><?xml version="1.0" encoding="utf-8"?>
-<p:sld xmlns:a="http://schemas.openxmlformats.org/drawingml/2006/main" xmlns:r="http://schemas.openxmlformats.org/officeDocument/2006/relationships" xmlns:p="http://schemas.openxmlformats.org/presentationml/2006/main">
-  <p:cSld>
-    <p:spTree>
-      <p:nvGrpSpPr>
-        <p:cNvPr id="1" name=""/>
-        <p:cNvGrpSpPr/>
-        <p:nvPr/>
-      </p:nvGrpSpPr>
-      <p:grpSpPr>
-        <a:xfrm>
-          <a:off x="0" y="0"/>
-          <a:ext cx="0" cy="0"/>
-          <a:chOff x="0" y="0"/>
-          <a:chExt cx="0" cy="0"/>
-        </a:xfrm>
-      </p:grpSpPr>
-      <p:sp>
-        <p:nvSpPr>
-          <p:cNvPr id="2" name="Titel 1"/>
-          <p:cNvSpPr>
-            <a:spLocks noGrp="1"/>
-          </p:cNvSpPr>
-          <p:nvPr>
-            <p:ph type="title"/>
-          </p:nvPr>
-        </p:nvSpPr>
-        <p:spPr/>
-        <p:txBody>
-          <a:bodyPr/>
-          <a:lstStyle/>
-          <a:p>
-            <a:r>
-              <a:rPr lang="de-CH" dirty="0" smtClean="0"/>
-              <a:t>Staatliches Key Escrow</a:t>
-            </a:r>
-            <a:endParaRPr lang="de-CH" dirty="0"/>
-          </a:p>
-        </p:txBody>
-      </p:sp>
-      <p:sp>
-        <p:nvSpPr>
-          <p:cNvPr id="3" name="Inhaltsplatzhalter 2"/>
-          <p:cNvSpPr>
-            <a:spLocks noGrp="1"/>
-          </p:cNvSpPr>
-          <p:nvPr>
-            <p:ph idx="1"/>
-          </p:nvPr>
-        </p:nvSpPr>
-        <p:spPr/>
-        <p:txBody>
-          <a:bodyPr/>
-          <a:lstStyle/>
-          <a:p>
-            <a:r>
-              <a:rPr lang="de-CH" dirty="0" smtClean="0"/>
-              <a:t>Anwendungen:</a:t>
-            </a:r>
-          </a:p>
-          <a:p>
-            <a:pPr lvl="1"/>
-            <a:r>
-              <a:rPr lang="de-CH" dirty="0" smtClean="0"/>
-              <a:t>Hinterlegung der Schlüssel</a:t>
-            </a:r>
-          </a:p>
-          <a:p>
-            <a:pPr lvl="1"/>
-            <a:r>
-              <a:rPr lang="de-CH" dirty="0" smtClean="0"/>
-              <a:t>Hinterlegung der Algorithmen</a:t>
-            </a:r>
-          </a:p>
-          <a:p>
-            <a:pPr marL="457200" lvl="1" indent="0">
-              <a:buNone/>
-            </a:pPr>
-            <a:endParaRPr lang="de-CH" dirty="0" smtClean="0"/>
-          </a:p>
-          <a:p>
-            <a:r>
-              <a:rPr lang="de-CH" dirty="0" smtClean="0"/>
-              <a:t>Einsatzmöglichkeiten</a:t>
-            </a:r>
-          </a:p>
-          <a:p>
-            <a:pPr lvl="1"/>
-            <a:r>
-              <a:rPr lang="de-CH" dirty="0" smtClean="0"/>
-              <a:t>Nachrichtendienst</a:t>
-            </a:r>
-          </a:p>
-          <a:p>
-            <a:pPr lvl="1"/>
-            <a:r>
-              <a:rPr lang="de-CH" dirty="0" smtClean="0"/>
-              <a:t>Kriminaltechnische Untersuchungen</a:t>
-            </a:r>
-          </a:p>
-          <a:p>
-            <a:pPr lvl="1"/>
-            <a:endParaRPr lang="de-CH" dirty="0" smtClean="0"/>
-          </a:p>
-          <a:p>
-            <a:pPr lvl="1"/>
-            <a:endParaRPr lang="de-CH" dirty="0" smtClean="0"/>
-          </a:p>
-        </p:txBody>
-      </p:sp>
-    </p:spTree>
-    <p:extLst>
-      <p:ext uri="{BB962C8B-B14F-4D97-AF65-F5344CB8AC3E}">
-        <p14:creationId xmlns:p14="http://schemas.microsoft.com/office/powerpoint/2010/main" val="1133158986"/>
-      </p:ext>
-    </p:extLst>
-  </p:cSld>
-  <p:clrMapOvr>
-    <a:masterClrMapping/>
-  </p:clrMapOvr>
-</p:sld>
-</file>
-
-<file path=ppt/slides/slide14.xml><?xml version="1.0" encoding="utf-8"?>
-<p:sld xmlns:a="http://schemas.openxmlformats.org/drawingml/2006/main" xmlns:r="http://schemas.openxmlformats.org/officeDocument/2006/relationships" xmlns:p="http://schemas.openxmlformats.org/presentationml/2006/main">
-  <p:cSld>
-    <p:spTree>
-      <p:nvGrpSpPr>
-        <p:cNvPr id="1" name=""/>
-        <p:cNvGrpSpPr/>
-        <p:nvPr/>
-      </p:nvGrpSpPr>
-      <p:grpSpPr>
-        <a:xfrm>
-          <a:off x="0" y="0"/>
-          <a:ext cx="0" cy="0"/>
-          <a:chOff x="0" y="0"/>
-          <a:chExt cx="0" cy="0"/>
-        </a:xfrm>
-      </p:grpSpPr>
-      <p:sp>
-        <p:nvSpPr>
-          <p:cNvPr id="2" name="Titel 1"/>
-          <p:cNvSpPr>
-            <a:spLocks noGrp="1"/>
-          </p:cNvSpPr>
-          <p:nvPr>
-            <p:ph type="title"/>
-          </p:nvPr>
-        </p:nvSpPr>
-        <p:spPr/>
-        <p:txBody>
-          <a:bodyPr/>
-          <a:lstStyle/>
-          <a:p>
-            <a:r>
-              <a:rPr lang="de-CH" dirty="0" smtClean="0"/>
-              <a:t>Staatliches Key Escrow</a:t>
-            </a:r>
-            <a:endParaRPr lang="de-CH" dirty="0"/>
-          </a:p>
-        </p:txBody>
-      </p:sp>
-      <p:sp>
-        <p:nvSpPr>
-          <p:cNvPr id="3" name="Inhaltsplatzhalter 2"/>
-          <p:cNvSpPr>
-            <a:spLocks noGrp="1"/>
-          </p:cNvSpPr>
-          <p:nvPr>
-            <p:ph idx="1"/>
-          </p:nvPr>
-        </p:nvSpPr>
-        <p:spPr>
-          <a:xfrm>
-            <a:off x="457200" y="1600200"/>
-            <a:ext cx="5050904" cy="4525963"/>
-          </a:xfrm>
-        </p:spPr>
-        <p:txBody>
-          <a:bodyPr/>
-          <a:lstStyle/>
-          <a:p>
-            <a:r>
-              <a:rPr lang="de-CH" dirty="0" smtClean="0"/>
-              <a:t>Problemstellungen:</a:t>
-            </a:r>
-          </a:p>
-          <a:p>
-            <a:pPr lvl="1"/>
-            <a:r>
-              <a:rPr lang="de-CH" dirty="0" smtClean="0"/>
-              <a:t>Aufwand der Unterhaltung</a:t>
-            </a:r>
-          </a:p>
-          <a:p>
-            <a:pPr lvl="1"/>
-            <a:r>
-              <a:rPr lang="de-CH" dirty="0" smtClean="0"/>
-              <a:t>Kosten der Erstellung</a:t>
-            </a:r>
-          </a:p>
-          <a:p>
-            <a:pPr lvl="1"/>
-            <a:r>
-              <a:rPr lang="de-CH" dirty="0" smtClean="0"/>
-              <a:t>Sicherheitsrisiko (zentrale Angriffsstelle)</a:t>
-            </a:r>
-          </a:p>
-          <a:p>
-            <a:pPr lvl="1"/>
-            <a:r>
-              <a:rPr lang="de-CH" dirty="0" smtClean="0"/>
-              <a:t>Datenschutz</a:t>
-            </a:r>
-          </a:p>
-          <a:p>
-            <a:pPr lvl="1"/>
-            <a:r>
-              <a:rPr lang="de-CH" dirty="0" smtClean="0"/>
-              <a:t>Politisch kaum Durchsetzbar</a:t>
-            </a:r>
-          </a:p>
-          <a:p>
-            <a:pPr lvl="1"/>
-            <a:endParaRPr lang="de-CH" dirty="0" smtClean="0"/>
-          </a:p>
-          <a:p>
-            <a:pPr lvl="1"/>
-            <a:endParaRPr lang="de-CH" dirty="0" smtClean="0"/>
-          </a:p>
-          <a:p>
-            <a:pPr lvl="1"/>
-            <a:endParaRPr lang="de-CH" dirty="0" smtClean="0"/>
-          </a:p>
-        </p:txBody>
-      </p:sp>
-      <p:pic>
-        <p:nvPicPr>
-          <p:cNvPr id="1026" name="Picture 2" descr="https://pound.netzpolitik.org/wp-upload/I-want-Your-decryption-keys.jpg"/>
-          <p:cNvPicPr>
-            <a:picLocks noChangeAspect="1" noChangeArrowheads="1"/>
-          </p:cNvPicPr>
-          <p:nvPr/>
-        </p:nvPicPr>
-        <p:blipFill>
-          <a:blip r:embed="rId2">
-            <a:extLst>
-              <a:ext uri="{28A0092B-C50C-407E-A947-70E740481C1C}">
-                <a14:useLocalDpi xmlns:a14="http://schemas.microsoft.com/office/drawing/2010/main" val="0"/>
-              </a:ext>
-            </a:extLst>
-          </a:blip>
-          <a:srcRect/>
-          <a:stretch>
-            <a:fillRect/>
-          </a:stretch>
-        </p:blipFill>
-        <p:spPr bwMode="auto">
-          <a:xfrm>
-            <a:off x="5857056" y="1844824"/>
-            <a:ext cx="2295525" cy="3086101"/>
-          </a:xfrm>
-          <a:prstGeom prst="rect">
-            <a:avLst/>
-          </a:prstGeom>
-          <a:noFill/>
-          <a:extLst>
-            <a:ext uri="{909E8E84-426E-40DD-AFC4-6F175D3DCCD1}">
-              <a14:hiddenFill xmlns:a14="http://schemas.microsoft.com/office/drawing/2010/main">
-                <a:solidFill>
-                  <a:srgbClr val="FFFFFF"/>
-                </a:solidFill>
-              </a14:hiddenFill>
-            </a:ext>
-          </a:extLst>
-        </p:spPr>
-      </p:pic>
-      <p:sp>
-        <p:nvSpPr>
-          <p:cNvPr id="4" name="Textfeld 3"/>
-          <p:cNvSpPr txBox="1"/>
-          <p:nvPr/>
-        </p:nvSpPr>
-        <p:spPr>
-          <a:xfrm>
-            <a:off x="5830714" y="4930925"/>
-            <a:ext cx="2348208" cy="400110"/>
-          </a:xfrm>
-          <a:prstGeom prst="rect">
-            <a:avLst/>
-          </a:prstGeom>
-          <a:noFill/>
-        </p:spPr>
-        <p:txBody>
-          <a:bodyPr wrap="square" rtlCol="0">
-            <a:spAutoFit/>
-          </a:bodyPr>
-          <a:lstStyle/>
-          <a:p>
-            <a:r>
-              <a:rPr lang="de-CH" sz="1000" dirty="0" smtClean="0"/>
-              <a:t>https://pound.netzpolitik.org/wp-upload/I-want-Your-decryption-keys.jpg</a:t>
-            </a:r>
-            <a:endParaRPr lang="de-CH" sz="1000" dirty="0"/>
-          </a:p>
-        </p:txBody>
-      </p:sp>
-    </p:spTree>
-    <p:extLst>
-      <p:ext uri="{BB962C8B-B14F-4D97-AF65-F5344CB8AC3E}">
-        <p14:creationId xmlns:p14="http://schemas.microsoft.com/office/powerpoint/2010/main" val="550667898"/>
-      </p:ext>
-    </p:extLst>
-  </p:cSld>
-  <p:clrMapOvr>
-    <a:masterClrMapping/>
-  </p:clrMapOvr>
-</p:sld>
-</file>
-
-<file path=ppt/slides/slide15.xml><?xml version="1.0" encoding="utf-8"?>
-<p:sld xmlns:a="http://schemas.openxmlformats.org/drawingml/2006/main" xmlns:r="http://schemas.openxmlformats.org/officeDocument/2006/relationships" xmlns:p="http://schemas.openxmlformats.org/presentationml/2006/main">
-  <p:cSld>
-    <p:spTree>
-      <p:nvGrpSpPr>
-        <p:cNvPr id="1" name=""/>
-        <p:cNvGrpSpPr/>
-        <p:nvPr/>
-      </p:nvGrpSpPr>
-      <p:grpSpPr>
-        <a:xfrm>
-          <a:off x="0" y="0"/>
-          <a:ext cx="0" cy="0"/>
-          <a:chOff x="0" y="0"/>
-          <a:chExt cx="0" cy="0"/>
-        </a:xfrm>
-      </p:grpSpPr>
-      <p:sp>
-        <p:nvSpPr>
-          <p:cNvPr id="2" name="Titel 1"/>
-          <p:cNvSpPr>
-            <a:spLocks noGrp="1"/>
-          </p:cNvSpPr>
-          <p:nvPr>
-            <p:ph type="title"/>
-          </p:nvPr>
-        </p:nvSpPr>
-        <p:spPr/>
-        <p:txBody>
-          <a:bodyPr/>
-          <a:lstStyle/>
-          <a:p>
-            <a:r>
-              <a:rPr lang="de-CH" dirty="0" smtClean="0"/>
-              <a:t>«Privates» Key Escrow</a:t>
-            </a:r>
-            <a:endParaRPr lang="de-CH" dirty="0"/>
-          </a:p>
-        </p:txBody>
-      </p:sp>
-      <p:sp>
-        <p:nvSpPr>
-          <p:cNvPr id="3" name="Inhaltsplatzhalter 2"/>
-          <p:cNvSpPr>
-            <a:spLocks noGrp="1"/>
-          </p:cNvSpPr>
-          <p:nvPr>
-            <p:ph idx="1"/>
-          </p:nvPr>
-        </p:nvSpPr>
-        <p:spPr/>
-        <p:txBody>
-          <a:bodyPr/>
-          <a:lstStyle/>
-          <a:p>
-            <a:r>
-              <a:rPr lang="de-CH" dirty="0" smtClean="0"/>
-              <a:t>Einsatzmöglichkeiten:</a:t>
-            </a:r>
-          </a:p>
-          <a:p>
-            <a:pPr lvl="1"/>
-            <a:r>
-              <a:rPr lang="de-CH" dirty="0" smtClean="0"/>
-              <a:t>Hinterlegung von Mitarbeiterschlüssel</a:t>
-            </a:r>
-          </a:p>
-          <a:p>
-            <a:pPr lvl="1"/>
-            <a:r>
-              <a:rPr lang="de-CH" dirty="0" smtClean="0"/>
-              <a:t>«Zentrale» Schlüsselspeicherungen für alle</a:t>
-            </a:r>
-          </a:p>
-          <a:p>
-            <a:pPr lvl="1"/>
-            <a:r>
-              <a:rPr lang="de-CH" dirty="0" smtClean="0"/>
-              <a:t>Browser </a:t>
-            </a:r>
-            <a:r>
-              <a:rPr lang="de-CH" dirty="0" err="1" smtClean="0"/>
-              <a:t>Keystores</a:t>
-            </a:r>
-            <a:r>
-              <a:rPr lang="de-CH" dirty="0" smtClean="0"/>
-              <a:t>  </a:t>
-            </a:r>
-          </a:p>
-          <a:p>
-            <a:pPr lvl="1"/>
-            <a:endParaRPr lang="de-CH" dirty="0" smtClean="0"/>
-          </a:p>
-          <a:p>
-            <a:pPr lvl="1"/>
-            <a:endParaRPr lang="de-CH" dirty="0" smtClean="0"/>
-          </a:p>
-        </p:txBody>
-      </p:sp>
-    </p:spTree>
-    <p:extLst>
-      <p:ext uri="{BB962C8B-B14F-4D97-AF65-F5344CB8AC3E}">
-        <p14:creationId xmlns:p14="http://schemas.microsoft.com/office/powerpoint/2010/main" val="2951931102"/>
-      </p:ext>
-    </p:extLst>
-  </p:cSld>
-  <p:clrMapOvr>
-    <a:masterClrMapping/>
-  </p:clrMapOvr>
-  <p:timing>
-    <p:tnLst>
-      <p:par>
-        <p:cTn id="1" dur="indefinite" restart="never" nodeType="tmRoot"/>
-      </p:par>
-    </p:tnLst>
-  </p:timing>
-</p:sld>
-</file>
-
-<file path=ppt/slides/slide16.xml><?xml version="1.0" encoding="utf-8"?>
-<p:sld xmlns:a="http://schemas.openxmlformats.org/drawingml/2006/main" xmlns:r="http://schemas.openxmlformats.org/officeDocument/2006/relationships" xmlns:p="http://schemas.openxmlformats.org/presentationml/2006/main">
-  <p:cSld>
-    <p:spTree>
-      <p:nvGrpSpPr>
-        <p:cNvPr id="1" name=""/>
-        <p:cNvGrpSpPr/>
-        <p:nvPr/>
-      </p:nvGrpSpPr>
-      <p:grpSpPr>
-        <a:xfrm>
-          <a:off x="0" y="0"/>
-          <a:ext cx="0" cy="0"/>
-          <a:chOff x="0" y="0"/>
-          <a:chExt cx="0" cy="0"/>
-        </a:xfrm>
-      </p:grpSpPr>
-      <p:sp>
-        <p:nvSpPr>
           <p:cNvPr id="2" name="Inhaltsplatzhalter 1"/>
           <p:cNvSpPr>
             <a:spLocks noGrp="1"/>
@@ -5982,7 +5283,6 @@
               <a:rPr lang="de-CH" sz="2000" dirty="0"/>
               <a:t>zur Schlüsselerstellung</a:t>
             </a:r>
-            <a:endParaRPr lang="de-CH" sz="2000" dirty="0"/>
           </a:p>
         </p:txBody>
       </p:sp>
@@ -6233,7 +5533,7 @@
 </p:sld>
 </file>
 
-<file path=ppt/slides/slide17.xml><?xml version="1.0" encoding="utf-8"?>
+<file path=ppt/slides/slide12.xml><?xml version="1.0" encoding="utf-8"?>
 <p:sld xmlns:a="http://schemas.openxmlformats.org/drawingml/2006/main" xmlns:r="http://schemas.openxmlformats.org/officeDocument/2006/relationships" xmlns:p="http://schemas.openxmlformats.org/presentationml/2006/main">
   <p:cSld>
     <p:spTree>
@@ -6416,7 +5716,7 @@
 </p:sld>
 </file>
 
-<file path=ppt/slides/slide18.xml><?xml version="1.0" encoding="utf-8"?>
+<file path=ppt/slides/slide13.xml><?xml version="1.0" encoding="utf-8"?>
 <p:sld xmlns:a="http://schemas.openxmlformats.org/drawingml/2006/main" xmlns:r="http://schemas.openxmlformats.org/officeDocument/2006/relationships" xmlns:p="http://schemas.openxmlformats.org/presentationml/2006/main">
   <p:cSld>
     <p:spTree>
@@ -6535,7 +5835,6 @@
               <a:rPr lang="de-CH" dirty="0"/>
               <a:t>Diffie-Hellman</a:t>
             </a:r>
-            <a:endParaRPr lang="de-CH" dirty="0"/>
           </a:p>
         </p:txBody>
       </p:sp>
@@ -6566,6 +5865,174 @@
     <p:extLst>
       <p:ext uri="{BB962C8B-B14F-4D97-AF65-F5344CB8AC3E}">
         <p14:creationId xmlns:p14="http://schemas.microsoft.com/office/powerpoint/2010/main" val="4112091894"/>
+      </p:ext>
+    </p:extLst>
+  </p:cSld>
+  <p:clrMapOvr>
+    <a:masterClrMapping/>
+  </p:clrMapOvr>
+  <p:timing>
+    <p:tnLst>
+      <p:par>
+        <p:cTn id="1" dur="indefinite" restart="never" nodeType="tmRoot"/>
+      </p:par>
+    </p:tnLst>
+  </p:timing>
+</p:sld>
+</file>
+
+<file path=ppt/slides/slide14.xml><?xml version="1.0" encoding="utf-8"?>
+<p:sld xmlns:a="http://schemas.openxmlformats.org/drawingml/2006/main" xmlns:r="http://schemas.openxmlformats.org/officeDocument/2006/relationships" xmlns:p="http://schemas.openxmlformats.org/presentationml/2006/main">
+  <p:cSld>
+    <p:spTree>
+      <p:nvGrpSpPr>
+        <p:cNvPr id="1" name=""/>
+        <p:cNvGrpSpPr/>
+        <p:nvPr/>
+      </p:nvGrpSpPr>
+      <p:grpSpPr>
+        <a:xfrm>
+          <a:off x="0" y="0"/>
+          <a:ext cx="0" cy="0"/>
+          <a:chOff x="0" y="0"/>
+          <a:chExt cx="0" cy="0"/>
+        </a:xfrm>
+      </p:grpSpPr>
+      <p:sp>
+        <p:nvSpPr>
+          <p:cNvPr id="2" name="Inhaltsplatzhalter 1"/>
+          <p:cNvSpPr>
+            <a:spLocks noGrp="1"/>
+          </p:cNvSpPr>
+          <p:nvPr>
+            <p:ph idx="1"/>
+          </p:nvPr>
+        </p:nvSpPr>
+        <p:spPr/>
+        <p:txBody>
+          <a:bodyPr>
+            <a:normAutofit fontScale="92500" lnSpcReduction="10000"/>
+          </a:bodyPr>
+          <a:lstStyle/>
+          <a:p>
+            <a:r>
+              <a:rPr lang="de-CH" dirty="0" smtClean="0"/>
+              <a:t>Staatlich: Viel Diskutiert, zu viele Nachteile</a:t>
+            </a:r>
+          </a:p>
+          <a:p>
+            <a:pPr lvl="1"/>
+            <a:r>
+              <a:rPr lang="de-CH" dirty="0" smtClean="0"/>
+              <a:t>Aufwand</a:t>
+            </a:r>
+          </a:p>
+          <a:p>
+            <a:pPr lvl="1"/>
+            <a:r>
+              <a:rPr lang="de-CH" dirty="0" smtClean="0"/>
+              <a:t>Kosten</a:t>
+            </a:r>
+          </a:p>
+          <a:p>
+            <a:pPr lvl="1"/>
+            <a:r>
+              <a:rPr lang="de-CH" dirty="0" smtClean="0"/>
+              <a:t>Sicherheitsrisiko</a:t>
+            </a:r>
+          </a:p>
+          <a:p>
+            <a:pPr lvl="1"/>
+            <a:r>
+              <a:rPr lang="de-CH" dirty="0" smtClean="0"/>
+              <a:t>Intervention von Datenschützer</a:t>
+            </a:r>
+          </a:p>
+          <a:p>
+            <a:r>
+              <a:rPr lang="de-CH" dirty="0" smtClean="0"/>
+              <a:t>Privat: gut Einsetzbar</a:t>
+            </a:r>
+          </a:p>
+          <a:p>
+            <a:pPr lvl="1"/>
+            <a:r>
+              <a:rPr lang="de-CH" dirty="0" smtClean="0"/>
+              <a:t>freiwilliger Entscheid Nutzen/Risiko</a:t>
+            </a:r>
+          </a:p>
+          <a:p>
+            <a:pPr lvl="1"/>
+            <a:r>
+              <a:rPr lang="de-CH" dirty="0"/>
+              <a:t>v</a:t>
+            </a:r>
+            <a:r>
+              <a:rPr lang="de-CH" dirty="0" smtClean="0"/>
+              <a:t>iele Tools dafür vorhanden</a:t>
+            </a:r>
+          </a:p>
+          <a:p>
+            <a:pPr lvl="1"/>
+            <a:endParaRPr lang="de-CH" dirty="0"/>
+          </a:p>
+          <a:p>
+            <a:r>
+              <a:rPr lang="de-CH" dirty="0" smtClean="0"/>
+              <a:t>Zukünftige Entwicklungen:</a:t>
+            </a:r>
+          </a:p>
+          <a:p>
+            <a:pPr lvl="1"/>
+            <a:r>
+              <a:rPr lang="de-CH" dirty="0" smtClean="0"/>
+              <a:t>Politische Diskussionen in Richtung Verschlüsselungsverbot</a:t>
+            </a:r>
+          </a:p>
+          <a:p>
+            <a:pPr lvl="1"/>
+            <a:r>
+              <a:rPr lang="de-CH" dirty="0" smtClean="0"/>
+              <a:t>starke Community für Netzneutralität </a:t>
+            </a:r>
+            <a:r>
+              <a:rPr lang="de-CH" smtClean="0"/>
+              <a:t>hält dagegen</a:t>
+            </a:r>
+            <a:r>
+              <a:rPr lang="de-CH" dirty="0" smtClean="0"/>
+              <a:t>	</a:t>
+            </a:r>
+          </a:p>
+        </p:txBody>
+      </p:sp>
+      <p:sp>
+        <p:nvSpPr>
+          <p:cNvPr id="3" name="Titel 2"/>
+          <p:cNvSpPr>
+            <a:spLocks noGrp="1"/>
+          </p:cNvSpPr>
+          <p:nvPr>
+            <p:ph type="title"/>
+          </p:nvPr>
+        </p:nvSpPr>
+        <p:spPr/>
+        <p:txBody>
+          <a:bodyPr/>
+          <a:lstStyle/>
+          <a:p>
+            <a:r>
+              <a:rPr lang="de-CH" dirty="0" smtClean="0"/>
+              <a:t>Fazit</a:t>
+            </a:r>
+            <a:endParaRPr lang="de-CH" dirty="0"/>
+          </a:p>
+        </p:txBody>
+      </p:sp>
+    </p:spTree>
+    <p:extLst>
+      <p:ext uri="{BB962C8B-B14F-4D97-AF65-F5344CB8AC3E}">
+        <p14:creationId xmlns:p14="http://schemas.microsoft.com/office/powerpoint/2010/main" val="4117522109"/>
       </p:ext>
     </p:extLst>
   </p:cSld>
@@ -6633,7 +6100,11 @@
           <a:bodyPr/>
           <a:lstStyle/>
           <a:p>
-            <a:endParaRPr lang="de-CH"/>
+            <a:r>
+              <a:rPr lang="de-CH" dirty="0" smtClean="0"/>
+              <a:t>Inhalt</a:t>
+            </a:r>
+            <a:endParaRPr lang="de-CH" dirty="0"/>
           </a:p>
         </p:txBody>
       </p:sp>
@@ -6676,12 +6147,12 @@
       </p:grpSpPr>
       <p:sp>
         <p:nvSpPr>
-          <p:cNvPr id="2" name="Titel 1"/>
+          <p:cNvPr id="2" name="Inhaltsplatzhalter 1"/>
           <p:cNvSpPr>
             <a:spLocks noGrp="1"/>
           </p:cNvSpPr>
           <p:nvPr>
-            <p:ph type="title"/>
+            <p:ph idx="1"/>
           </p:nvPr>
         </p:nvSpPr>
         <p:spPr/>
@@ -6689,6 +6160,81 @@
           <a:bodyPr/>
           <a:lstStyle/>
           <a:p>
+            <a:endParaRPr lang="de-CH"/>
+          </a:p>
+        </p:txBody>
+      </p:sp>
+      <p:sp>
+        <p:nvSpPr>
+          <p:cNvPr id="3" name="Titel 2"/>
+          <p:cNvSpPr>
+            <a:spLocks noGrp="1"/>
+          </p:cNvSpPr>
+          <p:nvPr>
+            <p:ph type="title"/>
+          </p:nvPr>
+        </p:nvSpPr>
+        <p:spPr/>
+        <p:txBody>
+          <a:bodyPr/>
+          <a:lstStyle/>
+          <a:p>
+            <a:endParaRPr lang="de-CH"/>
+          </a:p>
+        </p:txBody>
+      </p:sp>
+    </p:spTree>
+    <p:extLst>
+      <p:ext uri="{BB962C8B-B14F-4D97-AF65-F5344CB8AC3E}">
+        <p14:creationId xmlns:p14="http://schemas.microsoft.com/office/powerpoint/2010/main" val="1956011371"/>
+      </p:ext>
+    </p:extLst>
+  </p:cSld>
+  <p:clrMapOvr>
+    <a:masterClrMapping/>
+  </p:clrMapOvr>
+  <p:timing>
+    <p:tnLst>
+      <p:par>
+        <p:cTn id="1" dur="indefinite" restart="never" nodeType="tmRoot"/>
+      </p:par>
+    </p:tnLst>
+  </p:timing>
+</p:sld>
+</file>
+
+<file path=ppt/slides/slide4.xml><?xml version="1.0" encoding="utf-8"?>
+<p:sld xmlns:a="http://schemas.openxmlformats.org/drawingml/2006/main" xmlns:r="http://schemas.openxmlformats.org/officeDocument/2006/relationships" xmlns:p="http://schemas.openxmlformats.org/presentationml/2006/main">
+  <p:cSld>
+    <p:spTree>
+      <p:nvGrpSpPr>
+        <p:cNvPr id="1" name=""/>
+        <p:cNvGrpSpPr/>
+        <p:nvPr/>
+      </p:nvGrpSpPr>
+      <p:grpSpPr>
+        <a:xfrm>
+          <a:off x="0" y="0"/>
+          <a:ext cx="0" cy="0"/>
+          <a:chOff x="0" y="0"/>
+          <a:chExt cx="0" cy="0"/>
+        </a:xfrm>
+      </p:grpSpPr>
+      <p:sp>
+        <p:nvSpPr>
+          <p:cNvPr id="2" name="Titel 1"/>
+          <p:cNvSpPr>
+            <a:spLocks noGrp="1"/>
+          </p:cNvSpPr>
+          <p:nvPr>
+            <p:ph type="title"/>
+          </p:nvPr>
+        </p:nvSpPr>
+        <p:spPr/>
+        <p:txBody>
+          <a:bodyPr/>
+          <a:lstStyle/>
+          <a:p>
             <a:r>
               <a:rPr lang="de-CH" dirty="0" smtClean="0"/>
               <a:t>Geschichte von Key Escrow</a:t>
@@ -6735,40 +6281,22 @@
           <a:p>
             <a:r>
               <a:rPr lang="de-CH" dirty="0" smtClean="0"/>
-              <a:t>nach 09/11</a:t>
-            </a:r>
+              <a:t>nach 09/11: grössere Diskussionen weltweit</a:t>
+            </a:r>
+          </a:p>
+          <a:p>
+            <a:pPr lvl="1"/>
             <a:r>
               <a:rPr lang="de-CH" dirty="0" smtClean="0"/>
-              <a:t>: grössere Diskussionen weltweit</a:t>
+              <a:t>Vorschlag Escrow Pflicht in den USA (Sept./Okt. 01)</a:t>
             </a:r>
           </a:p>
           <a:p>
             <a:pPr lvl="1"/>
             <a:r>
               <a:rPr lang="de-CH" dirty="0" smtClean="0"/>
-              <a:t>Vorschlag Escrow </a:t>
-            </a:r>
-            <a:r>
-              <a:rPr lang="de-CH" dirty="0" smtClean="0"/>
-              <a:t>Pflicht in den </a:t>
-            </a:r>
-            <a:r>
-              <a:rPr lang="de-CH" dirty="0" smtClean="0"/>
-              <a:t>USA (Sept./Okt. 01)</a:t>
-            </a:r>
-            <a:endParaRPr lang="de-CH" dirty="0" smtClean="0"/>
-          </a:p>
-          <a:p>
-            <a:pPr lvl="1"/>
-            <a:r>
-              <a:rPr lang="de-CH" dirty="0" smtClean="0"/>
-              <a:t>Escrow-Abklärungen in der </a:t>
-            </a:r>
-            <a:r>
-              <a:rPr lang="de-CH" dirty="0" smtClean="0"/>
-              <a:t>Schweiz (2005/2006)</a:t>
-            </a:r>
-            <a:endParaRPr lang="de-CH" dirty="0" smtClean="0"/>
+              <a:t>Escrow-Abklärungen in der Schweiz (2005/2006)</a:t>
+            </a:r>
           </a:p>
           <a:p>
             <a:pPr lvl="1"/>
@@ -7464,7 +6992,7 @@
 </p:sld>
 </file>
 
-<file path=ppt/slides/slide4.xml><?xml version="1.0" encoding="utf-8"?>
+<file path=ppt/slides/slide5.xml><?xml version="1.0" encoding="utf-8"?>
 <p:sld xmlns:a="http://schemas.openxmlformats.org/drawingml/2006/main" xmlns:r="http://schemas.openxmlformats.org/officeDocument/2006/relationships" xmlns:p="http://schemas.openxmlformats.org/presentationml/2006/main">
   <p:cSld>
     <p:spTree>
@@ -7524,13 +7052,8 @@
           <a:p>
             <a:r>
               <a:rPr lang="de-CH" dirty="0" smtClean="0"/>
-              <a:t>Aufflammen des Themas nach </a:t>
-            </a:r>
-            <a:r>
-              <a:rPr lang="de-CH" dirty="0" smtClean="0"/>
-              <a:t>Anschlägen vom Januar 2015</a:t>
-            </a:r>
-            <a:endParaRPr lang="de-CH" dirty="0" smtClean="0"/>
+              <a:t>Aufflammen des Themas nach Anschlägen vom Januar 2015</a:t>
+            </a:r>
           </a:p>
           <a:p>
             <a:pPr lvl="1"/>
@@ -7551,11 +7074,7 @@
             <a:pPr lvl="1"/>
             <a:r>
               <a:rPr lang="de-CH" dirty="0" smtClean="0"/>
-              <a:t>NSA Chef fordert Escrow </a:t>
-            </a:r>
-            <a:r>
-              <a:rPr lang="de-CH" dirty="0" smtClean="0"/>
-              <a:t>Pflicht (April 15)</a:t>
+              <a:t>NSA Chef fordert Escrow Pflicht (April 15)</a:t>
             </a:r>
           </a:p>
           <a:p>
@@ -7570,7 +7089,6 @@
               <a:rPr lang="de-CH" dirty="0" smtClean="0"/>
               <a:t>Aktuell staatlich nicht im Einsatz</a:t>
             </a:r>
-            <a:endParaRPr lang="de-CH" dirty="0" smtClean="0"/>
           </a:p>
         </p:txBody>
       </p:sp>
@@ -7962,7 +7480,7 @@
 </p:sld>
 </file>
 
-<file path=ppt/slides/slide5.xml><?xml version="1.0" encoding="utf-8"?>
+<file path=ppt/slides/slide6.xml><?xml version="1.0" encoding="utf-8"?>
 <p:sld xmlns:a="http://schemas.openxmlformats.org/drawingml/2006/main" xmlns:r="http://schemas.openxmlformats.org/officeDocument/2006/relationships" xmlns:p="http://schemas.openxmlformats.org/presentationml/2006/main">
   <p:cSld>
     <p:spTree>
@@ -8072,7 +7590,7 @@
 </p:sld>
 </file>
 
-<file path=ppt/slides/slide6.xml><?xml version="1.0" encoding="utf-8"?>
+<file path=ppt/slides/slide7.xml><?xml version="1.0" encoding="utf-8"?>
 <p:sld xmlns:a="http://schemas.openxmlformats.org/drawingml/2006/main" xmlns:r="http://schemas.openxmlformats.org/officeDocument/2006/relationships" xmlns:p="http://schemas.openxmlformats.org/presentationml/2006/main">
   <p:cSld>
     <p:spTree>
@@ -8846,7 +8364,7 @@
 </p:sld>
 </file>
 
-<file path=ppt/slides/slide7.xml><?xml version="1.0" encoding="utf-8"?>
+<file path=ppt/slides/slide8.xml><?xml version="1.0" encoding="utf-8"?>
 <p:sld xmlns:a="http://schemas.openxmlformats.org/drawingml/2006/main" xmlns:r="http://schemas.openxmlformats.org/officeDocument/2006/relationships" xmlns:p="http://schemas.openxmlformats.org/presentationml/2006/main">
   <p:cSld>
     <p:spTree>
@@ -9649,125 +9167,6 @@
 </p:sld>
 </file>
 
-<file path=ppt/slides/slide8.xml><?xml version="1.0" encoding="utf-8"?>
-<p:sld xmlns:a="http://schemas.openxmlformats.org/drawingml/2006/main" xmlns:r="http://schemas.openxmlformats.org/officeDocument/2006/relationships" xmlns:p="http://schemas.openxmlformats.org/presentationml/2006/main">
-  <p:cSld>
-    <p:spTree>
-      <p:nvGrpSpPr>
-        <p:cNvPr id="1" name=""/>
-        <p:cNvGrpSpPr/>
-        <p:nvPr/>
-      </p:nvGrpSpPr>
-      <p:grpSpPr>
-        <a:xfrm>
-          <a:off x="0" y="0"/>
-          <a:ext cx="0" cy="0"/>
-          <a:chOff x="0" y="0"/>
-          <a:chExt cx="0" cy="0"/>
-        </a:xfrm>
-      </p:grpSpPr>
-      <p:sp>
-        <p:nvSpPr>
-          <p:cNvPr id="2" name="Titel 1"/>
-          <p:cNvSpPr>
-            <a:spLocks noGrp="1"/>
-          </p:cNvSpPr>
-          <p:nvPr>
-            <p:ph type="title"/>
-          </p:nvPr>
-        </p:nvSpPr>
-        <p:spPr/>
-        <p:txBody>
-          <a:bodyPr/>
-          <a:lstStyle/>
-          <a:p>
-            <a:r>
-              <a:rPr lang="de-CH" dirty="0" smtClean="0"/>
-              <a:t>«Privates» Key Escrow</a:t>
-            </a:r>
-            <a:endParaRPr lang="de-CH" dirty="0"/>
-          </a:p>
-        </p:txBody>
-      </p:sp>
-      <p:sp>
-        <p:nvSpPr>
-          <p:cNvPr id="3" name="Inhaltsplatzhalter 2"/>
-          <p:cNvSpPr>
-            <a:spLocks noGrp="1"/>
-          </p:cNvSpPr>
-          <p:nvPr>
-            <p:ph idx="1"/>
-          </p:nvPr>
-        </p:nvSpPr>
-        <p:spPr/>
-        <p:txBody>
-          <a:bodyPr/>
-          <a:lstStyle/>
-          <a:p>
-            <a:r>
-              <a:rPr lang="de-CH" dirty="0" smtClean="0"/>
-              <a:t>Einsatzmöglichkeiten:</a:t>
-            </a:r>
-          </a:p>
-          <a:p>
-            <a:pPr lvl="1"/>
-            <a:r>
-              <a:rPr lang="de-CH" dirty="0" smtClean="0"/>
-              <a:t>Hinterlegung von Mitarbeiterschlüssel</a:t>
-            </a:r>
-          </a:p>
-          <a:p>
-            <a:pPr lvl="1"/>
-            <a:r>
-              <a:rPr lang="de-CH" dirty="0" smtClean="0"/>
-              <a:t>«Zentrale» Schlüsselspeicherungen für alle</a:t>
-            </a:r>
-          </a:p>
-          <a:p>
-            <a:pPr lvl="1"/>
-            <a:r>
-              <a:rPr lang="de-CH" dirty="0" smtClean="0"/>
-              <a:t>Browser </a:t>
-            </a:r>
-            <a:r>
-              <a:rPr lang="de-CH" dirty="0" err="1" smtClean="0"/>
-              <a:t>Keystores</a:t>
-            </a:r>
-            <a:r>
-              <a:rPr lang="de-CH" dirty="0" smtClean="0"/>
-              <a:t>  </a:t>
-            </a:r>
-          </a:p>
-          <a:p>
-            <a:pPr lvl="1"/>
-            <a:endParaRPr lang="de-CH" dirty="0" smtClean="0"/>
-          </a:p>
-          <a:p>
-            <a:pPr lvl="1"/>
-            <a:endParaRPr lang="de-CH" dirty="0" smtClean="0"/>
-          </a:p>
-        </p:txBody>
-      </p:sp>
-    </p:spTree>
-    <p:extLst>
-      <p:ext uri="{BB962C8B-B14F-4D97-AF65-F5344CB8AC3E}">
-        <p14:creationId xmlns:p14="http://schemas.microsoft.com/office/powerpoint/2010/main" val="2951931102"/>
-      </p:ext>
-    </p:extLst>
-  </p:cSld>
-  <p:clrMapOvr>
-    <a:masterClrMapping/>
-  </p:clrMapOvr>
-  <p:timing>
-    <p:tnLst>
-      <p:par>
-        <p:cTn id="1" dur="indefinite" restart="never" nodeType="tmRoot"/>
-      </p:par>
-    </p:tnLst>
-  </p:timing>
-</p:sld>
-</file>
-
 <file path=ppt/slides/slide9.xml><?xml version="1.0" encoding="utf-8"?>
 <p:sld xmlns:a="http://schemas.openxmlformats.org/drawingml/2006/main" xmlns:r="http://schemas.openxmlformats.org/officeDocument/2006/relationships" xmlns:p="http://schemas.openxmlformats.org/presentationml/2006/main">
   <p:cSld>
@@ -9787,12 +9186,12 @@
       </p:grpSpPr>
       <p:sp>
         <p:nvSpPr>
-          <p:cNvPr id="2" name="Inhaltsplatzhalter 1"/>
+          <p:cNvPr id="2" name="Titel 1"/>
           <p:cNvSpPr>
             <a:spLocks noGrp="1"/>
           </p:cNvSpPr>
           <p:nvPr>
-            <p:ph idx="1"/>
+            <p:ph type="title"/>
           </p:nvPr>
         </p:nvSpPr>
         <p:spPr/>
@@ -9800,18 +9199,22 @@
           <a:bodyPr/>
           <a:lstStyle/>
           <a:p>
-            <a:endParaRPr lang="de-CH"/>
-          </a:p>
-        </p:txBody>
-      </p:sp>
-      <p:sp>
-        <p:nvSpPr>
-          <p:cNvPr id="3" name="Titel 2"/>
+            <a:r>
+              <a:rPr lang="de-CH" dirty="0" smtClean="0"/>
+              <a:t>«Privates» Key Escrow</a:t>
+            </a:r>
+            <a:endParaRPr lang="de-CH" dirty="0"/>
+          </a:p>
+        </p:txBody>
+      </p:sp>
+      <p:sp>
+        <p:nvSpPr>
+          <p:cNvPr id="3" name="Inhaltsplatzhalter 2"/>
           <p:cNvSpPr>
             <a:spLocks noGrp="1"/>
           </p:cNvSpPr>
           <p:nvPr>
-            <p:ph type="title"/>
+            <p:ph idx="1"/>
           </p:nvPr>
         </p:nvSpPr>
         <p:spPr/>
@@ -9819,14 +9222,54 @@
           <a:bodyPr/>
           <a:lstStyle/>
           <a:p>
-            <a:endParaRPr lang="de-CH" dirty="0"/>
+            <a:r>
+              <a:rPr lang="de-CH" dirty="0" smtClean="0"/>
+              <a:t>Einsatzmöglichkeiten:</a:t>
+            </a:r>
+          </a:p>
+          <a:p>
+            <a:pPr lvl="1"/>
+            <a:r>
+              <a:rPr lang="de-CH" dirty="0" smtClean="0"/>
+              <a:t>Hinterlegung von Mitarbeiterschlüssel</a:t>
+            </a:r>
+          </a:p>
+          <a:p>
+            <a:pPr lvl="1"/>
+            <a:r>
+              <a:rPr lang="de-CH" dirty="0" smtClean="0"/>
+              <a:t>«Zentrale» Schlüsselspeicherungen für alle</a:t>
+            </a:r>
+          </a:p>
+          <a:p>
+            <a:pPr lvl="1"/>
+            <a:r>
+              <a:rPr lang="de-CH" dirty="0" smtClean="0"/>
+              <a:t>Browser </a:t>
+            </a:r>
+            <a:r>
+              <a:rPr lang="de-CH" dirty="0" err="1" smtClean="0"/>
+              <a:t>Keystores</a:t>
+            </a:r>
+            <a:r>
+              <a:rPr lang="de-CH" dirty="0" smtClean="0"/>
+              <a:t>  </a:t>
+            </a:r>
+          </a:p>
+          <a:p>
+            <a:pPr lvl="1"/>
+            <a:endParaRPr lang="de-CH" dirty="0" smtClean="0"/>
+          </a:p>
+          <a:p>
+            <a:pPr lvl="1"/>
+            <a:endParaRPr lang="de-CH" dirty="0" smtClean="0"/>
           </a:p>
         </p:txBody>
       </p:sp>
     </p:spTree>
     <p:extLst>
       <p:ext uri="{BB962C8B-B14F-4D97-AF65-F5344CB8AC3E}">
-        <p14:creationId xmlns:p14="http://schemas.microsoft.com/office/powerpoint/2010/main" val="3157591909"/>
+        <p14:creationId xmlns:p14="http://schemas.microsoft.com/office/powerpoint/2010/main" val="2951931102"/>
       </p:ext>
     </p:extLst>
   </p:cSld>

--- a/presentation/Key Escrow.pptx
+++ b/presentation/Key Escrow.pptx
@@ -5,7 +5,7 @@
     <p:sldMasterId id="2147483684" r:id="rId1"/>
   </p:sldMasterIdLst>
   <p:notesMasterIdLst>
-    <p:notesMasterId r:id="rId16"/>
+    <p:notesMasterId r:id="rId18"/>
   </p:notesMasterIdLst>
   <p:sldIdLst>
     <p:sldId id="256" r:id="rId2"/>
@@ -18,10 +18,12 @@
     <p:sldId id="263" r:id="rId9"/>
     <p:sldId id="264" r:id="rId10"/>
     <p:sldId id="258" r:id="rId11"/>
-    <p:sldId id="271" r:id="rId12"/>
-    <p:sldId id="272" r:id="rId13"/>
-    <p:sldId id="273" r:id="rId14"/>
-    <p:sldId id="275" r:id="rId15"/>
+    <p:sldId id="276" r:id="rId12"/>
+    <p:sldId id="277" r:id="rId13"/>
+    <p:sldId id="271" r:id="rId14"/>
+    <p:sldId id="272" r:id="rId15"/>
+    <p:sldId id="273" r:id="rId16"/>
+    <p:sldId id="275" r:id="rId17"/>
   </p:sldIdLst>
   <p:sldSz cx="9144000" cy="6858000" type="screen4x3"/>
   <p:notesSz cx="6858000" cy="9144000"/>
@@ -120,6 +122,22 @@
       </a:defRPr>
     </a:lvl9pPr>
   </p:defaultTextStyle>
+  <p:extLst>
+    <p:ext uri="{EFAFB233-063F-42B5-8137-9DF3F51BA10A}">
+      <p15:sldGuideLst xmlns:p15="http://schemas.microsoft.com/office/powerpoint/2012/main">
+        <p15:guide id="1" orient="horz" pos="2160">
+          <p15:clr>
+            <a:srgbClr val="A4A3A4"/>
+          </p15:clr>
+        </p15:guide>
+        <p15:guide id="2" pos="2880">
+          <p15:clr>
+            <a:srgbClr val="A4A3A4"/>
+          </p15:clr>
+        </p15:guide>
+      </p15:sldGuideLst>
+    </p:ext>
+  </p:extLst>
 </p:presentation>
 </file>
 
@@ -205,7 +223,7 @@
           <a:p>
             <a:fld id="{32AF7546-BA4F-4742-AF77-F1A112E7D851}" type="datetimeFigureOut">
               <a:rPr lang="de-CH" smtClean="0"/>
-              <a:t>29.11.2015</a:t>
+              <a:t>29.11.15</a:t>
             </a:fld>
             <a:endParaRPr lang="de-CH"/>
           </a:p>
@@ -364,7 +382,7 @@
           <a:p>
             <a:fld id="{643144C5-ECC5-49F3-9342-B074B32588D6}" type="slidenum">
               <a:rPr lang="de-CH" smtClean="0"/>
-              <a:t>‹Nr.›</a:t>
+              <a:t>‹#›</a:t>
             </a:fld>
             <a:endParaRPr lang="de-CH"/>
           </a:p>
@@ -474,6 +492,90 @@
 </file>
 
 <file path=ppt/notesSlides/notesSlide1.xml><?xml version="1.0" encoding="utf-8"?>
+<p:notes xmlns:a="http://schemas.openxmlformats.org/drawingml/2006/main" xmlns:r="http://schemas.openxmlformats.org/officeDocument/2006/relationships" xmlns:p="http://schemas.openxmlformats.org/presentationml/2006/main">
+  <p:cSld>
+    <p:spTree>
+      <p:nvGrpSpPr>
+        <p:cNvPr id="1" name=""/>
+        <p:cNvGrpSpPr/>
+        <p:nvPr/>
+      </p:nvGrpSpPr>
+      <p:grpSpPr>
+        <a:xfrm>
+          <a:off x="0" y="0"/>
+          <a:ext cx="0" cy="0"/>
+          <a:chOff x="0" y="0"/>
+          <a:chExt cx="0" cy="0"/>
+        </a:xfrm>
+      </p:grpSpPr>
+      <p:sp>
+        <p:nvSpPr>
+          <p:cNvPr id="2" name="Slide Image Placeholder 1"/>
+          <p:cNvSpPr>
+            <a:spLocks noGrp="1" noRot="1" noChangeAspect="1"/>
+          </p:cNvSpPr>
+          <p:nvPr>
+            <p:ph type="sldImg"/>
+          </p:nvPr>
+        </p:nvSpPr>
+        <p:spPr/>
+      </p:sp>
+      <p:sp>
+        <p:nvSpPr>
+          <p:cNvPr id="3" name="Notes Placeholder 2"/>
+          <p:cNvSpPr>
+            <a:spLocks noGrp="1"/>
+          </p:cNvSpPr>
+          <p:nvPr>
+            <p:ph type="body" idx="1"/>
+          </p:nvPr>
+        </p:nvSpPr>
+        <p:spPr/>
+        <p:txBody>
+          <a:bodyPr/>
+          <a:lstStyle/>
+          <a:p>
+            <a:endParaRPr lang="en-US" dirty="0"/>
+          </a:p>
+        </p:txBody>
+      </p:sp>
+      <p:sp>
+        <p:nvSpPr>
+          <p:cNvPr id="4" name="Slide Number Placeholder 3"/>
+          <p:cNvSpPr>
+            <a:spLocks noGrp="1"/>
+          </p:cNvSpPr>
+          <p:nvPr>
+            <p:ph type="sldNum" sz="quarter" idx="10"/>
+          </p:nvPr>
+        </p:nvSpPr>
+        <p:spPr/>
+        <p:txBody>
+          <a:bodyPr/>
+          <a:lstStyle/>
+          <a:p>
+            <a:fld id="{643144C5-ECC5-49F3-9342-B074B32588D6}" type="slidenum">
+              <a:rPr lang="de-CH" smtClean="0"/>
+              <a:t>1</a:t>
+            </a:fld>
+            <a:endParaRPr lang="de-CH"/>
+          </a:p>
+        </p:txBody>
+      </p:sp>
+    </p:spTree>
+    <p:extLst>
+      <p:ext uri="{BB962C8B-B14F-4D97-AF65-F5344CB8AC3E}">
+        <p14:creationId xmlns:p14="http://schemas.microsoft.com/office/powerpoint/2010/main" val="652960570"/>
+      </p:ext>
+    </p:extLst>
+  </p:cSld>
+  <p:clrMapOvr>
+    <a:masterClrMapping/>
+  </p:clrMapOvr>
+</p:notes>
+</file>
+
+<file path=ppt/notesSlides/notesSlide2.xml><?xml version="1.0" encoding="utf-8"?>
 <p:notes xmlns:a="http://schemas.openxmlformats.org/drawingml/2006/main" xmlns:r="http://schemas.openxmlformats.org/officeDocument/2006/relationships" xmlns:p="http://schemas.openxmlformats.org/presentationml/2006/main">
   <p:cSld>
     <p:spTree>
@@ -1182,7 +1284,7 @@
           <a:p>
             <a:fld id="{5BDDD2E4-6839-4F5E-98F9-86B32DDFE6A5}" type="datetimeFigureOut">
               <a:rPr lang="de-CH" smtClean="0"/>
-              <a:t>29.11.2015</a:t>
+              <a:t>29.11.15</a:t>
             </a:fld>
             <a:endParaRPr lang="de-CH"/>
           </a:p>
@@ -1244,7 +1346,7 @@
           <a:p>
             <a:fld id="{ABE2CA87-69B2-4A64-A182-EC11425AE3E4}" type="slidenum">
               <a:rPr lang="de-CH" smtClean="0"/>
-              <a:t>‹Nr.›</a:t>
+              <a:t>‹#›</a:t>
             </a:fld>
             <a:endParaRPr lang="de-CH"/>
           </a:p>
@@ -1378,7 +1480,7 @@
           <a:p>
             <a:fld id="{5BDDD2E4-6839-4F5E-98F9-86B32DDFE6A5}" type="datetimeFigureOut">
               <a:rPr lang="de-CH" smtClean="0"/>
-              <a:t>29.11.2015</a:t>
+              <a:t>29.11.15</a:t>
             </a:fld>
             <a:endParaRPr lang="de-CH"/>
           </a:p>
@@ -1424,7 +1526,7 @@
           <a:p>
             <a:fld id="{ABE2CA87-69B2-4A64-A182-EC11425AE3E4}" type="slidenum">
               <a:rPr lang="de-CH" smtClean="0"/>
-              <a:t>‹Nr.›</a:t>
+              <a:t>‹#›</a:t>
             </a:fld>
             <a:endParaRPr lang="de-CH"/>
           </a:p>
@@ -1563,7 +1665,7 @@
           <a:p>
             <a:fld id="{5BDDD2E4-6839-4F5E-98F9-86B32DDFE6A5}" type="datetimeFigureOut">
               <a:rPr lang="de-CH" smtClean="0"/>
-              <a:t>29.11.2015</a:t>
+              <a:t>29.11.15</a:t>
             </a:fld>
             <a:endParaRPr lang="de-CH"/>
           </a:p>
@@ -1609,7 +1711,7 @@
           <a:p>
             <a:fld id="{ABE2CA87-69B2-4A64-A182-EC11425AE3E4}" type="slidenum">
               <a:rPr lang="de-CH" smtClean="0"/>
-              <a:t>‹Nr.›</a:t>
+              <a:t>‹#›</a:t>
             </a:fld>
             <a:endParaRPr lang="de-CH"/>
           </a:p>
@@ -1713,7 +1815,7 @@
           <a:p>
             <a:fld id="{5BDDD2E4-6839-4F5E-98F9-86B32DDFE6A5}" type="datetimeFigureOut">
               <a:rPr lang="de-CH" smtClean="0"/>
-              <a:t>29.11.2015</a:t>
+              <a:t>29.11.15</a:t>
             </a:fld>
             <a:endParaRPr lang="de-CH"/>
           </a:p>
@@ -1759,7 +1861,7 @@
           <a:p>
             <a:fld id="{ABE2CA87-69B2-4A64-A182-EC11425AE3E4}" type="slidenum">
               <a:rPr lang="de-CH" smtClean="0"/>
-              <a:t>‹Nr.›</a:t>
+              <a:t>‹#›</a:t>
             </a:fld>
             <a:endParaRPr lang="de-CH"/>
           </a:p>
@@ -1968,7 +2070,7 @@
           <a:p>
             <a:fld id="{5BDDD2E4-6839-4F5E-98F9-86B32DDFE6A5}" type="datetimeFigureOut">
               <a:rPr lang="de-CH" smtClean="0"/>
-              <a:t>29.11.2015</a:t>
+              <a:t>29.11.15</a:t>
             </a:fld>
             <a:endParaRPr lang="de-CH"/>
           </a:p>
@@ -2014,7 +2116,7 @@
           <a:p>
             <a:fld id="{ABE2CA87-69B2-4A64-A182-EC11425AE3E4}" type="slidenum">
               <a:rPr lang="de-CH" smtClean="0"/>
-              <a:t>‹Nr.›</a:t>
+              <a:t>‹#›</a:t>
             </a:fld>
             <a:endParaRPr lang="de-CH"/>
           </a:p>
@@ -2377,7 +2479,7 @@
           <a:p>
             <a:fld id="{5BDDD2E4-6839-4F5E-98F9-86B32DDFE6A5}" type="datetimeFigureOut">
               <a:rPr lang="de-CH" smtClean="0"/>
-              <a:t>29.11.2015</a:t>
+              <a:t>29.11.15</a:t>
             </a:fld>
             <a:endParaRPr lang="de-CH"/>
           </a:p>
@@ -2423,7 +2525,7 @@
           <a:p>
             <a:fld id="{ABE2CA87-69B2-4A64-A182-EC11425AE3E4}" type="slidenum">
               <a:rPr lang="de-CH" smtClean="0"/>
-              <a:t>‹Nr.›</a:t>
+              <a:t>‹#›</a:t>
             </a:fld>
             <a:endParaRPr lang="de-CH"/>
           </a:p>
@@ -2823,7 +2925,7 @@
           <a:p>
             <a:fld id="{5BDDD2E4-6839-4F5E-98F9-86B32DDFE6A5}" type="datetimeFigureOut">
               <a:rPr lang="de-CH" smtClean="0"/>
-              <a:t>29.11.2015</a:t>
+              <a:t>29.11.15</a:t>
             </a:fld>
             <a:endParaRPr lang="de-CH"/>
           </a:p>
@@ -2869,7 +2971,7 @@
           <a:p>
             <a:fld id="{ABE2CA87-69B2-4A64-A182-EC11425AE3E4}" type="slidenum">
               <a:rPr lang="de-CH" smtClean="0"/>
-              <a:t>‹Nr.›</a:t>
+              <a:t>‹#›</a:t>
             </a:fld>
             <a:endParaRPr lang="de-CH"/>
           </a:p>
@@ -2924,7 +3026,7 @@
           <a:p>
             <a:fld id="{5BDDD2E4-6839-4F5E-98F9-86B32DDFE6A5}" type="datetimeFigureOut">
               <a:rPr lang="de-CH" smtClean="0"/>
-              <a:t>29.11.2015</a:t>
+              <a:t>29.11.15</a:t>
             </a:fld>
             <a:endParaRPr lang="de-CH"/>
           </a:p>
@@ -2970,7 +3072,7 @@
           <a:p>
             <a:fld id="{ABE2CA87-69B2-4A64-A182-EC11425AE3E4}" type="slidenum">
               <a:rPr lang="de-CH" smtClean="0"/>
-              <a:t>‹Nr.›</a:t>
+              <a:t>‹#›</a:t>
             </a:fld>
             <a:endParaRPr lang="de-CH"/>
           </a:p>
@@ -3045,7 +3147,7 @@
           <a:p>
             <a:fld id="{5BDDD2E4-6839-4F5E-98F9-86B32DDFE6A5}" type="datetimeFigureOut">
               <a:rPr lang="de-CH" smtClean="0"/>
-              <a:t>29.11.2015</a:t>
+              <a:t>29.11.15</a:t>
             </a:fld>
             <a:endParaRPr lang="de-CH"/>
           </a:p>
@@ -3091,7 +3193,7 @@
           <a:p>
             <a:fld id="{ABE2CA87-69B2-4A64-A182-EC11425AE3E4}" type="slidenum">
               <a:rPr lang="de-CH" smtClean="0"/>
-              <a:t>‹Nr.›</a:t>
+              <a:t>‹#›</a:t>
             </a:fld>
             <a:endParaRPr lang="de-CH"/>
           </a:p>
@@ -3319,7 +3421,7 @@
           <a:p>
             <a:fld id="{5BDDD2E4-6839-4F5E-98F9-86B32DDFE6A5}" type="datetimeFigureOut">
               <a:rPr lang="de-CH" smtClean="0"/>
-              <a:t>29.11.2015</a:t>
+              <a:t>29.11.15</a:t>
             </a:fld>
             <a:endParaRPr lang="de-CH"/>
           </a:p>
@@ -3365,7 +3467,7 @@
           <a:p>
             <a:fld id="{ABE2CA87-69B2-4A64-A182-EC11425AE3E4}" type="slidenum">
               <a:rPr lang="de-CH" smtClean="0"/>
-              <a:t>‹Nr.›</a:t>
+              <a:t>‹#›</a:t>
             </a:fld>
             <a:endParaRPr lang="de-CH"/>
           </a:p>
@@ -3524,7 +3626,7 @@
           <a:p>
             <a:fld id="{5BDDD2E4-6839-4F5E-98F9-86B32DDFE6A5}" type="datetimeFigureOut">
               <a:rPr lang="de-CH" smtClean="0"/>
-              <a:t>29.11.2015</a:t>
+              <a:t>29.11.15</a:t>
             </a:fld>
             <a:endParaRPr lang="de-CH"/>
           </a:p>
@@ -3589,7 +3691,7 @@
           <a:p>
             <a:fld id="{ABE2CA87-69B2-4A64-A182-EC11425AE3E4}" type="slidenum">
               <a:rPr lang="de-CH" smtClean="0"/>
-              <a:t>‹Nr.›</a:t>
+              <a:t>‹#›</a:t>
             </a:fld>
             <a:endParaRPr lang="de-CH"/>
           </a:p>
@@ -4633,7 +4735,7 @@
           <a:p>
             <a:fld id="{5BDDD2E4-6839-4F5E-98F9-86B32DDFE6A5}" type="datetimeFigureOut">
               <a:rPr lang="de-CH" smtClean="0"/>
-              <a:t>29.11.2015</a:t>
+              <a:t>29.11.15</a:t>
             </a:fld>
             <a:endParaRPr lang="de-CH"/>
           </a:p>
@@ -4709,7 +4811,7 @@
           <a:p>
             <a:fld id="{ABE2CA87-69B2-4A64-A182-EC11425AE3E4}" type="slidenum">
               <a:rPr lang="de-CH" smtClean="0"/>
-              <a:t>‹Nr.›</a:t>
+              <a:t>‹#›</a:t>
             </a:fld>
             <a:endParaRPr lang="de-CH"/>
           </a:p>
@@ -5123,14 +5225,52 @@
           <a:chExt cx="0" cy="0"/>
         </a:xfrm>
       </p:grpSpPr>
-      <p:sp>
-        <p:nvSpPr>
-          <p:cNvPr id="2" name="Inhaltsplatzhalter 1"/>
+      <p:pic>
+        <p:nvPicPr>
+          <p:cNvPr id="4" name="Content Placeholder 3"/>
+          <p:cNvPicPr>
+            <a:picLocks noGrp="1" noChangeAspect="1"/>
+          </p:cNvPicPr>
+          <p:nvPr>
+            <p:ph idx="1"/>
+          </p:nvPr>
+        </p:nvPicPr>
+        <p:blipFill>
+          <a:blip r:embed="rId2">
+            <a:extLst>
+              <a:ext uri="{28A0092B-C50C-407E-A947-70E740481C1C}">
+                <a14:useLocalDpi xmlns:a14="http://schemas.microsoft.com/office/drawing/2010/main" val="0"/>
+              </a:ext>
+            </a:extLst>
+          </a:blip>
+          <a:stretch>
+            <a:fillRect/>
+          </a:stretch>
+        </p:blipFill>
+        <p:spPr>
+          <a:xfrm>
+            <a:off x="1176202" y="1481138"/>
+            <a:ext cx="6791595" cy="4525962"/>
+          </a:xfrm>
+          <a:prstGeom prst="rect">
+            <a:avLst/>
+          </a:prstGeom>
+          <a:ln>
+            <a:noFill/>
+          </a:ln>
+          <a:effectLst>
+            <a:softEdge rad="112500"/>
+          </a:effectLst>
+        </p:spPr>
+      </p:pic>
+      <p:sp>
+        <p:nvSpPr>
+          <p:cNvPr id="3" name="Titel 2"/>
           <p:cNvSpPr>
             <a:spLocks noGrp="1"/>
           </p:cNvSpPr>
           <p:nvPr>
-            <p:ph idx="1"/>
+            <p:ph type="title"/>
           </p:nvPr>
         </p:nvSpPr>
         <p:spPr/>
@@ -5138,25 +5278,10 @@
           <a:bodyPr/>
           <a:lstStyle/>
           <a:p>
-            <a:endParaRPr lang="de-CH"/>
-          </a:p>
-        </p:txBody>
-      </p:sp>
-      <p:sp>
-        <p:nvSpPr>
-          <p:cNvPr id="3" name="Titel 2"/>
-          <p:cNvSpPr>
-            <a:spLocks noGrp="1"/>
-          </p:cNvSpPr>
-          <p:nvPr>
-            <p:ph type="title"/>
-          </p:nvPr>
-        </p:nvSpPr>
-        <p:spPr/>
-        <p:txBody>
-          <a:bodyPr/>
-          <a:lstStyle/>
-          <a:p>
+            <a:r>
+              <a:rPr lang="de-CH" dirty="0" smtClean="0"/>
+              <a:t>Clipper Chip</a:t>
+            </a:r>
             <a:endParaRPr lang="de-CH" dirty="0"/>
           </a:p>
         </p:txBody>
@@ -5182,6 +5307,335 @@
 </file>
 
 <file path=ppt/slides/slide11.xml><?xml version="1.0" encoding="utf-8"?>
+<p:sld xmlns:a="http://schemas.openxmlformats.org/drawingml/2006/main" xmlns:r="http://schemas.openxmlformats.org/officeDocument/2006/relationships" xmlns:p="http://schemas.openxmlformats.org/presentationml/2006/main">
+  <p:cSld>
+    <p:spTree>
+      <p:nvGrpSpPr>
+        <p:cNvPr id="1" name=""/>
+        <p:cNvGrpSpPr/>
+        <p:nvPr/>
+      </p:nvGrpSpPr>
+      <p:grpSpPr>
+        <a:xfrm>
+          <a:off x="0" y="0"/>
+          <a:ext cx="0" cy="0"/>
+          <a:chOff x="0" y="0"/>
+          <a:chExt cx="0" cy="0"/>
+        </a:xfrm>
+      </p:grpSpPr>
+      <p:graphicFrame>
+        <p:nvGraphicFramePr>
+          <p:cNvPr id="4" name="Content Placeholder 3"/>
+          <p:cNvGraphicFramePr>
+            <a:graphicFrameLocks noGrp="1"/>
+          </p:cNvGraphicFramePr>
+          <p:nvPr>
+            <p:ph idx="1"/>
+            <p:extLst>
+              <p:ext uri="{D42A27DB-BD31-4B8C-83A1-F6EECF244321}">
+                <p14:modId xmlns:p14="http://schemas.microsoft.com/office/powerpoint/2010/main" val="1769650773"/>
+              </p:ext>
+            </p:extLst>
+          </p:nvPr>
+        </p:nvGraphicFramePr>
+        <p:xfrm>
+          <a:off x="457200" y="2924944"/>
+          <a:ext cx="8229600" cy="609600"/>
+        </p:xfrm>
+        <a:graphic>
+          <a:graphicData uri="http://schemas.openxmlformats.org/drawingml/2006/table">
+            <a:tbl>
+              <a:tblPr firstRow="1" bandRow="1">
+                <a:tableStyleId>{2D5ABB26-0587-4C30-8999-92F81FD0307C}</a:tableStyleId>
+              </a:tblPr>
+              <a:tblGrid>
+                <a:gridCol w="2743200"/>
+                <a:gridCol w="2743200"/>
+                <a:gridCol w="2743200"/>
+              </a:tblGrid>
+              <a:tr h="370840">
+                <a:tc>
+                  <a:txBody>
+                    <a:bodyPr/>
+                    <a:lstStyle/>
+                    <a:p>
+                      <a:pPr algn="ctr"/>
+                      <a:r>
+                        <a:rPr lang="en-US" b="1" dirty="0" smtClean="0"/>
+                        <a:t>Unit ID</a:t>
+                      </a:r>
+                      <a:br>
+                        <a:rPr lang="en-US" b="1" dirty="0" smtClean="0"/>
+                      </a:br>
+                      <a:r>
+                        <a:rPr lang="en-US" sz="1600" dirty="0" smtClean="0"/>
+                        <a:t>32</a:t>
+                      </a:r>
+                      <a:r>
+                        <a:rPr lang="en-US" sz="1600" baseline="0" dirty="0" smtClean="0"/>
+                        <a:t> bit</a:t>
+                      </a:r>
+                      <a:endParaRPr lang="en-US" dirty="0"/>
+                    </a:p>
+                  </a:txBody>
+                  <a:tcPr>
+                    <a:lnL w="12700" cap="flat" cmpd="sng" algn="ctr">
+                      <a:solidFill>
+                        <a:schemeClr val="tx1"/>
+                      </a:solidFill>
+                      <a:prstDash val="solid"/>
+                      <a:round/>
+                      <a:headEnd type="none" w="med" len="med"/>
+                      <a:tailEnd type="none" w="med" len="med"/>
+                    </a:lnL>
+                    <a:lnR w="12700" cap="flat" cmpd="sng" algn="ctr">
+                      <a:solidFill>
+                        <a:schemeClr val="tx1"/>
+                      </a:solidFill>
+                      <a:prstDash val="solid"/>
+                      <a:round/>
+                      <a:headEnd type="none" w="med" len="med"/>
+                      <a:tailEnd type="none" w="med" len="med"/>
+                    </a:lnR>
+                    <a:lnT w="12700" cap="flat" cmpd="sng" algn="ctr">
+                      <a:solidFill>
+                        <a:schemeClr val="tx1"/>
+                      </a:solidFill>
+                      <a:prstDash val="solid"/>
+                      <a:round/>
+                      <a:headEnd type="none" w="med" len="med"/>
+                      <a:tailEnd type="none" w="med" len="med"/>
+                    </a:lnT>
+                    <a:lnB w="12700" cap="flat" cmpd="sng" algn="ctr">
+                      <a:solidFill>
+                        <a:schemeClr val="tx1"/>
+                      </a:solidFill>
+                      <a:prstDash val="solid"/>
+                      <a:round/>
+                      <a:headEnd type="none" w="med" len="med"/>
+                      <a:tailEnd type="none" w="med" len="med"/>
+                    </a:lnB>
+                  </a:tcPr>
+                </a:tc>
+                <a:tc>
+                  <a:txBody>
+                    <a:bodyPr/>
+                    <a:lstStyle/>
+                    <a:p>
+                      <a:pPr algn="ctr"/>
+                      <a:r>
+                        <a:rPr lang="en-US" b="1" dirty="0" smtClean="0"/>
+                        <a:t>Encrypted Session Key</a:t>
+                      </a:r>
+                      <a:br>
+                        <a:rPr lang="en-US" b="1" dirty="0" smtClean="0"/>
+                      </a:br>
+                      <a:r>
+                        <a:rPr lang="en-US" sz="1600" dirty="0" smtClean="0"/>
+                        <a:t>80 bit</a:t>
+                      </a:r>
+                      <a:endParaRPr lang="en-US" sz="1600" dirty="0"/>
+                    </a:p>
+                  </a:txBody>
+                  <a:tcPr>
+                    <a:lnL w="12700" cap="flat" cmpd="sng" algn="ctr">
+                      <a:solidFill>
+                        <a:schemeClr val="tx1"/>
+                      </a:solidFill>
+                      <a:prstDash val="solid"/>
+                      <a:round/>
+                      <a:headEnd type="none" w="med" len="med"/>
+                      <a:tailEnd type="none" w="med" len="med"/>
+                    </a:lnL>
+                    <a:lnR w="12700" cap="flat" cmpd="sng" algn="ctr">
+                      <a:solidFill>
+                        <a:schemeClr val="tx1"/>
+                      </a:solidFill>
+                      <a:prstDash val="solid"/>
+                      <a:round/>
+                      <a:headEnd type="none" w="med" len="med"/>
+                      <a:tailEnd type="none" w="med" len="med"/>
+                    </a:lnR>
+                    <a:lnT w="12700" cap="flat" cmpd="sng" algn="ctr">
+                      <a:solidFill>
+                        <a:schemeClr val="tx1"/>
+                      </a:solidFill>
+                      <a:prstDash val="solid"/>
+                      <a:round/>
+                      <a:headEnd type="none" w="med" len="med"/>
+                      <a:tailEnd type="none" w="med" len="med"/>
+                    </a:lnT>
+                    <a:lnB w="12700" cap="flat" cmpd="sng" algn="ctr">
+                      <a:solidFill>
+                        <a:schemeClr val="tx1"/>
+                      </a:solidFill>
+                      <a:prstDash val="solid"/>
+                      <a:round/>
+                      <a:headEnd type="none" w="med" len="med"/>
+                      <a:tailEnd type="none" w="med" len="med"/>
+                    </a:lnB>
+                  </a:tcPr>
+                </a:tc>
+                <a:tc>
+                  <a:txBody>
+                    <a:bodyPr/>
+                    <a:lstStyle/>
+                    <a:p>
+                      <a:pPr algn="ctr"/>
+                      <a:r>
+                        <a:rPr lang="en-US" b="1" dirty="0" smtClean="0"/>
+                        <a:t>Checksum</a:t>
+                      </a:r>
+                    </a:p>
+                    <a:p>
+                      <a:pPr algn="ctr"/>
+                      <a:r>
+                        <a:rPr lang="en-US" sz="1600" dirty="0" smtClean="0"/>
+                        <a:t>16 bit</a:t>
+                      </a:r>
+                      <a:endParaRPr lang="en-US" sz="1600" dirty="0"/>
+                    </a:p>
+                  </a:txBody>
+                  <a:tcPr>
+                    <a:lnL w="12700" cap="flat" cmpd="sng" algn="ctr">
+                      <a:solidFill>
+                        <a:schemeClr val="tx1"/>
+                      </a:solidFill>
+                      <a:prstDash val="solid"/>
+                      <a:round/>
+                      <a:headEnd type="none" w="med" len="med"/>
+                      <a:tailEnd type="none" w="med" len="med"/>
+                    </a:lnL>
+                    <a:lnR w="12700" cap="flat" cmpd="sng" algn="ctr">
+                      <a:solidFill>
+                        <a:schemeClr val="tx1"/>
+                      </a:solidFill>
+                      <a:prstDash val="solid"/>
+                      <a:round/>
+                      <a:headEnd type="none" w="med" len="med"/>
+                      <a:tailEnd type="none" w="med" len="med"/>
+                    </a:lnR>
+                    <a:lnT w="12700" cap="flat" cmpd="sng" algn="ctr">
+                      <a:solidFill>
+                        <a:schemeClr val="tx1"/>
+                      </a:solidFill>
+                      <a:prstDash val="solid"/>
+                      <a:round/>
+                      <a:headEnd type="none" w="med" len="med"/>
+                      <a:tailEnd type="none" w="med" len="med"/>
+                    </a:lnT>
+                    <a:lnB w="12700" cap="flat" cmpd="sng" algn="ctr">
+                      <a:solidFill>
+                        <a:schemeClr val="tx1"/>
+                      </a:solidFill>
+                      <a:prstDash val="solid"/>
+                      <a:round/>
+                      <a:headEnd type="none" w="med" len="med"/>
+                      <a:tailEnd type="none" w="med" len="med"/>
+                    </a:lnB>
+                  </a:tcPr>
+                </a:tc>
+              </a:tr>
+            </a:tbl>
+          </a:graphicData>
+        </a:graphic>
+      </p:graphicFrame>
+      <p:sp>
+        <p:nvSpPr>
+          <p:cNvPr id="3" name="Title 2"/>
+          <p:cNvSpPr>
+            <a:spLocks noGrp="1"/>
+          </p:cNvSpPr>
+          <p:nvPr>
+            <p:ph type="title"/>
+          </p:nvPr>
+        </p:nvSpPr>
+        <p:spPr/>
+        <p:txBody>
+          <a:bodyPr/>
+          <a:lstStyle/>
+          <a:p>
+            <a:r>
+              <a:rPr lang="en-US" dirty="0" smtClean="0"/>
+              <a:t>Law Enforcement Access Field</a:t>
+            </a:r>
+            <a:endParaRPr lang="en-US" dirty="0"/>
+          </a:p>
+        </p:txBody>
+      </p:sp>
+    </p:spTree>
+    <p:extLst>
+      <p:ext uri="{BB962C8B-B14F-4D97-AF65-F5344CB8AC3E}">
+        <p14:creationId xmlns:p14="http://schemas.microsoft.com/office/powerpoint/2010/main" val="432165776"/>
+      </p:ext>
+    </p:extLst>
+  </p:cSld>
+  <p:clrMapOvr>
+    <a:masterClrMapping/>
+  </p:clrMapOvr>
+</p:sld>
+</file>
+
+<file path=ppt/slides/slide12.xml><?xml version="1.0" encoding="utf-8"?>
+<p:sld xmlns:a="http://schemas.openxmlformats.org/drawingml/2006/main" xmlns:r="http://schemas.openxmlformats.org/officeDocument/2006/relationships" xmlns:p="http://schemas.openxmlformats.org/presentationml/2006/main">
+  <p:cSld>
+    <p:spTree>
+      <p:nvGrpSpPr>
+        <p:cNvPr id="1" name=""/>
+        <p:cNvGrpSpPr/>
+        <p:nvPr/>
+      </p:nvGrpSpPr>
+      <p:grpSpPr>
+        <a:xfrm>
+          <a:off x="0" y="0"/>
+          <a:ext cx="0" cy="0"/>
+          <a:chOff x="0" y="0"/>
+          <a:chExt cx="0" cy="0"/>
+        </a:xfrm>
+      </p:grpSpPr>
+      <p:pic>
+        <p:nvPicPr>
+          <p:cNvPr id="4" name="Content Placeholder 3"/>
+          <p:cNvPicPr>
+            <a:picLocks noGrp="1" noChangeAspect="1"/>
+          </p:cNvPicPr>
+          <p:nvPr>
+            <p:ph idx="1"/>
+          </p:nvPr>
+        </p:nvPicPr>
+        <p:blipFill>
+          <a:blip r:embed="rId2">
+            <a:extLst>
+              <a:ext uri="{28A0092B-C50C-407E-A947-70E740481C1C}">
+                <a14:useLocalDpi xmlns:a14="http://schemas.microsoft.com/office/drawing/2010/main" val="0"/>
+              </a:ext>
+            </a:extLst>
+          </a:blip>
+          <a:stretch>
+            <a:fillRect/>
+          </a:stretch>
+        </p:blipFill>
+        <p:spPr>
+          <a:xfrm>
+            <a:off x="899592" y="548680"/>
+            <a:ext cx="7312775" cy="5400600"/>
+          </a:xfrm>
+        </p:spPr>
+      </p:pic>
+    </p:spTree>
+    <p:extLst>
+      <p:ext uri="{BB962C8B-B14F-4D97-AF65-F5344CB8AC3E}">
+        <p14:creationId xmlns:p14="http://schemas.microsoft.com/office/powerpoint/2010/main" val="1001295121"/>
+      </p:ext>
+    </p:extLst>
+  </p:cSld>
+  <p:clrMapOvr>
+    <a:masterClrMapping/>
+  </p:clrMapOvr>
+</p:sld>
+</file>
+
+<file path=ppt/slides/slide13.xml><?xml version="1.0" encoding="utf-8"?>
 <p:sld xmlns:a="http://schemas.openxmlformats.org/drawingml/2006/main" xmlns:r="http://schemas.openxmlformats.org/officeDocument/2006/relationships" xmlns:p="http://schemas.openxmlformats.org/presentationml/2006/main">
   <p:cSld>
     <p:spTree>
@@ -5533,7 +5987,7 @@
 </p:sld>
 </file>
 
-<file path=ppt/slides/slide12.xml><?xml version="1.0" encoding="utf-8"?>
+<file path=ppt/slides/slide14.xml><?xml version="1.0" encoding="utf-8"?>
 <p:sld xmlns:a="http://schemas.openxmlformats.org/drawingml/2006/main" xmlns:r="http://schemas.openxmlformats.org/officeDocument/2006/relationships" xmlns:p="http://schemas.openxmlformats.org/presentationml/2006/main">
   <p:cSld>
     <p:spTree>
@@ -5716,7 +6170,7 @@
 </p:sld>
 </file>
 
-<file path=ppt/slides/slide13.xml><?xml version="1.0" encoding="utf-8"?>
+<file path=ppt/slides/slide15.xml><?xml version="1.0" encoding="utf-8"?>
 <p:sld xmlns:a="http://schemas.openxmlformats.org/drawingml/2006/main" xmlns:r="http://schemas.openxmlformats.org/officeDocument/2006/relationships" xmlns:p="http://schemas.openxmlformats.org/presentationml/2006/main">
   <p:cSld>
     <p:spTree>
@@ -5881,7 +6335,7 @@
 </p:sld>
 </file>
 
-<file path=ppt/slides/slide14.xml><?xml version="1.0" encoding="utf-8"?>
+<file path=ppt/slides/slide16.xml><?xml version="1.0" encoding="utf-8"?>
 <p:sld xmlns:a="http://schemas.openxmlformats.org/drawingml/2006/main" xmlns:r="http://schemas.openxmlformats.org/officeDocument/2006/relationships" xmlns:p="http://schemas.openxmlformats.org/presentationml/2006/main">
   <p:cSld>
     <p:spTree>

--- a/presentation/Key Escrow.pptx
+++ b/presentation/Key Escrow.pptx
@@ -124,7 +124,7 @@
   </p:defaultTextStyle>
   <p:extLst>
     <p:ext uri="{EFAFB233-063F-42B5-8137-9DF3F51BA10A}">
-      <p15:sldGuideLst xmlns:p15="http://schemas.microsoft.com/office/powerpoint/2012/main">
+      <p15:sldGuideLst xmlns:p15="http://schemas.microsoft.com/office/powerpoint/2012/main" xmlns="">
         <p15:guide id="1" orient="horz" pos="2160">
           <p15:clr>
             <a:srgbClr val="A4A3A4"/>
@@ -223,7 +223,7 @@
           <a:p>
             <a:fld id="{32AF7546-BA4F-4742-AF77-F1A112E7D851}" type="datetimeFigureOut">
               <a:rPr lang="de-CH" smtClean="0"/>
-              <a:t>29.11.15</a:t>
+              <a:t>29.11.2015</a:t>
             </a:fld>
             <a:endParaRPr lang="de-CH"/>
           </a:p>
@@ -382,7 +382,7 @@
           <a:p>
             <a:fld id="{643144C5-ECC5-49F3-9342-B074B32588D6}" type="slidenum">
               <a:rPr lang="de-CH" smtClean="0"/>
-              <a:t>‹#›</a:t>
+              <a:t>‹Nr.›</a:t>
             </a:fld>
             <a:endParaRPr lang="de-CH"/>
           </a:p>
@@ -1284,7 +1284,7 @@
           <a:p>
             <a:fld id="{5BDDD2E4-6839-4F5E-98F9-86B32DDFE6A5}" type="datetimeFigureOut">
               <a:rPr lang="de-CH" smtClean="0"/>
-              <a:t>29.11.15</a:t>
+              <a:t>29.11.2015</a:t>
             </a:fld>
             <a:endParaRPr lang="de-CH"/>
           </a:p>
@@ -1346,7 +1346,7 @@
           <a:p>
             <a:fld id="{ABE2CA87-69B2-4A64-A182-EC11425AE3E4}" type="slidenum">
               <a:rPr lang="de-CH" smtClean="0"/>
-              <a:t>‹#›</a:t>
+              <a:t>‹Nr.›</a:t>
             </a:fld>
             <a:endParaRPr lang="de-CH"/>
           </a:p>
@@ -1480,7 +1480,7 @@
           <a:p>
             <a:fld id="{5BDDD2E4-6839-4F5E-98F9-86B32DDFE6A5}" type="datetimeFigureOut">
               <a:rPr lang="de-CH" smtClean="0"/>
-              <a:t>29.11.15</a:t>
+              <a:t>29.11.2015</a:t>
             </a:fld>
             <a:endParaRPr lang="de-CH"/>
           </a:p>
@@ -1526,7 +1526,7 @@
           <a:p>
             <a:fld id="{ABE2CA87-69B2-4A64-A182-EC11425AE3E4}" type="slidenum">
               <a:rPr lang="de-CH" smtClean="0"/>
-              <a:t>‹#›</a:t>
+              <a:t>‹Nr.›</a:t>
             </a:fld>
             <a:endParaRPr lang="de-CH"/>
           </a:p>
@@ -1665,7 +1665,7 @@
           <a:p>
             <a:fld id="{5BDDD2E4-6839-4F5E-98F9-86B32DDFE6A5}" type="datetimeFigureOut">
               <a:rPr lang="de-CH" smtClean="0"/>
-              <a:t>29.11.15</a:t>
+              <a:t>29.11.2015</a:t>
             </a:fld>
             <a:endParaRPr lang="de-CH"/>
           </a:p>
@@ -1711,7 +1711,7 @@
           <a:p>
             <a:fld id="{ABE2CA87-69B2-4A64-A182-EC11425AE3E4}" type="slidenum">
               <a:rPr lang="de-CH" smtClean="0"/>
-              <a:t>‹#›</a:t>
+              <a:t>‹Nr.›</a:t>
             </a:fld>
             <a:endParaRPr lang="de-CH"/>
           </a:p>
@@ -1815,7 +1815,7 @@
           <a:p>
             <a:fld id="{5BDDD2E4-6839-4F5E-98F9-86B32DDFE6A5}" type="datetimeFigureOut">
               <a:rPr lang="de-CH" smtClean="0"/>
-              <a:t>29.11.15</a:t>
+              <a:t>29.11.2015</a:t>
             </a:fld>
             <a:endParaRPr lang="de-CH"/>
           </a:p>
@@ -1861,7 +1861,7 @@
           <a:p>
             <a:fld id="{ABE2CA87-69B2-4A64-A182-EC11425AE3E4}" type="slidenum">
               <a:rPr lang="de-CH" smtClean="0"/>
-              <a:t>‹#›</a:t>
+              <a:t>‹Nr.›</a:t>
             </a:fld>
             <a:endParaRPr lang="de-CH"/>
           </a:p>
@@ -2070,7 +2070,7 @@
           <a:p>
             <a:fld id="{5BDDD2E4-6839-4F5E-98F9-86B32DDFE6A5}" type="datetimeFigureOut">
               <a:rPr lang="de-CH" smtClean="0"/>
-              <a:t>29.11.15</a:t>
+              <a:t>29.11.2015</a:t>
             </a:fld>
             <a:endParaRPr lang="de-CH"/>
           </a:p>
@@ -2116,7 +2116,7 @@
           <a:p>
             <a:fld id="{ABE2CA87-69B2-4A64-A182-EC11425AE3E4}" type="slidenum">
               <a:rPr lang="de-CH" smtClean="0"/>
-              <a:t>‹#›</a:t>
+              <a:t>‹Nr.›</a:t>
             </a:fld>
             <a:endParaRPr lang="de-CH"/>
           </a:p>
@@ -2479,7 +2479,7 @@
           <a:p>
             <a:fld id="{5BDDD2E4-6839-4F5E-98F9-86B32DDFE6A5}" type="datetimeFigureOut">
               <a:rPr lang="de-CH" smtClean="0"/>
-              <a:t>29.11.15</a:t>
+              <a:t>29.11.2015</a:t>
             </a:fld>
             <a:endParaRPr lang="de-CH"/>
           </a:p>
@@ -2525,7 +2525,7 @@
           <a:p>
             <a:fld id="{ABE2CA87-69B2-4A64-A182-EC11425AE3E4}" type="slidenum">
               <a:rPr lang="de-CH" smtClean="0"/>
-              <a:t>‹#›</a:t>
+              <a:t>‹Nr.›</a:t>
             </a:fld>
             <a:endParaRPr lang="de-CH"/>
           </a:p>
@@ -2925,7 +2925,7 @@
           <a:p>
             <a:fld id="{5BDDD2E4-6839-4F5E-98F9-86B32DDFE6A5}" type="datetimeFigureOut">
               <a:rPr lang="de-CH" smtClean="0"/>
-              <a:t>29.11.15</a:t>
+              <a:t>29.11.2015</a:t>
             </a:fld>
             <a:endParaRPr lang="de-CH"/>
           </a:p>
@@ -2971,7 +2971,7 @@
           <a:p>
             <a:fld id="{ABE2CA87-69B2-4A64-A182-EC11425AE3E4}" type="slidenum">
               <a:rPr lang="de-CH" smtClean="0"/>
-              <a:t>‹#›</a:t>
+              <a:t>‹Nr.›</a:t>
             </a:fld>
             <a:endParaRPr lang="de-CH"/>
           </a:p>
@@ -3026,7 +3026,7 @@
           <a:p>
             <a:fld id="{5BDDD2E4-6839-4F5E-98F9-86B32DDFE6A5}" type="datetimeFigureOut">
               <a:rPr lang="de-CH" smtClean="0"/>
-              <a:t>29.11.15</a:t>
+              <a:t>29.11.2015</a:t>
             </a:fld>
             <a:endParaRPr lang="de-CH"/>
           </a:p>
@@ -3072,7 +3072,7 @@
           <a:p>
             <a:fld id="{ABE2CA87-69B2-4A64-A182-EC11425AE3E4}" type="slidenum">
               <a:rPr lang="de-CH" smtClean="0"/>
-              <a:t>‹#›</a:t>
+              <a:t>‹Nr.›</a:t>
             </a:fld>
             <a:endParaRPr lang="de-CH"/>
           </a:p>
@@ -3147,7 +3147,7 @@
           <a:p>
             <a:fld id="{5BDDD2E4-6839-4F5E-98F9-86B32DDFE6A5}" type="datetimeFigureOut">
               <a:rPr lang="de-CH" smtClean="0"/>
-              <a:t>29.11.15</a:t>
+              <a:t>29.11.2015</a:t>
             </a:fld>
             <a:endParaRPr lang="de-CH"/>
           </a:p>
@@ -3193,7 +3193,7 @@
           <a:p>
             <a:fld id="{ABE2CA87-69B2-4A64-A182-EC11425AE3E4}" type="slidenum">
               <a:rPr lang="de-CH" smtClean="0"/>
-              <a:t>‹#›</a:t>
+              <a:t>‹Nr.›</a:t>
             </a:fld>
             <a:endParaRPr lang="de-CH"/>
           </a:p>
@@ -3421,7 +3421,7 @@
           <a:p>
             <a:fld id="{5BDDD2E4-6839-4F5E-98F9-86B32DDFE6A5}" type="datetimeFigureOut">
               <a:rPr lang="de-CH" smtClean="0"/>
-              <a:t>29.11.15</a:t>
+              <a:t>29.11.2015</a:t>
             </a:fld>
             <a:endParaRPr lang="de-CH"/>
           </a:p>
@@ -3467,7 +3467,7 @@
           <a:p>
             <a:fld id="{ABE2CA87-69B2-4A64-A182-EC11425AE3E4}" type="slidenum">
               <a:rPr lang="de-CH" smtClean="0"/>
-              <a:t>‹#›</a:t>
+              <a:t>‹Nr.›</a:t>
             </a:fld>
             <a:endParaRPr lang="de-CH"/>
           </a:p>
@@ -3626,7 +3626,7 @@
           <a:p>
             <a:fld id="{5BDDD2E4-6839-4F5E-98F9-86B32DDFE6A5}" type="datetimeFigureOut">
               <a:rPr lang="de-CH" smtClean="0"/>
-              <a:t>29.11.15</a:t>
+              <a:t>29.11.2015</a:t>
             </a:fld>
             <a:endParaRPr lang="de-CH"/>
           </a:p>
@@ -3691,7 +3691,7 @@
           <a:p>
             <a:fld id="{ABE2CA87-69B2-4A64-A182-EC11425AE3E4}" type="slidenum">
               <a:rPr lang="de-CH" smtClean="0"/>
-              <a:t>‹#›</a:t>
+              <a:t>‹Nr.›</a:t>
             </a:fld>
             <a:endParaRPr lang="de-CH"/>
           </a:p>
@@ -4735,7 +4735,7 @@
           <a:p>
             <a:fld id="{5BDDD2E4-6839-4F5E-98F9-86B32DDFE6A5}" type="datetimeFigureOut">
               <a:rPr lang="de-CH" smtClean="0"/>
-              <a:t>29.11.15</a:t>
+              <a:t>29.11.2015</a:t>
             </a:fld>
             <a:endParaRPr lang="de-CH"/>
           </a:p>
@@ -4811,7 +4811,7 @@
           <a:p>
             <a:fld id="{ABE2CA87-69B2-4A64-A182-EC11425AE3E4}" type="slidenum">
               <a:rPr lang="de-CH" smtClean="0"/>
-              <a:t>‹#›</a:t>
+              <a:t>‹Nr.›</a:t>
             </a:fld>
             <a:endParaRPr lang="de-CH"/>
           </a:p>
@@ -5573,6 +5573,13 @@
   <p:clrMapOvr>
     <a:masterClrMapping/>
   </p:clrMapOvr>
+  <p:timing>
+    <p:tnLst>
+      <p:par>
+        <p:cTn id="1" dur="indefinite" restart="never" nodeType="tmRoot"/>
+      </p:par>
+    </p:tnLst>
+  </p:timing>
 </p:sld>
 </file>
 
@@ -5632,6 +5639,13 @@
   <p:clrMapOvr>
     <a:masterClrMapping/>
   </p:clrMapOvr>
+  <p:timing>
+    <p:tnLst>
+      <p:par>
+        <p:cTn id="1" dur="indefinite" restart="never" nodeType="tmRoot"/>
+      </p:par>
+    </p:tnLst>
+  </p:timing>
 </p:sld>
 </file>
 
@@ -6447,15 +6461,7 @@
             <a:pPr lvl="1"/>
             <a:r>
               <a:rPr lang="de-CH" dirty="0" smtClean="0"/>
-              <a:t>starke Community für Netzneutralität </a:t>
-            </a:r>
-            <a:r>
-              <a:rPr lang="de-CH" smtClean="0"/>
-              <a:t>hält dagegen</a:t>
-            </a:r>
-            <a:r>
-              <a:rPr lang="de-CH" dirty="0" smtClean="0"/>
-              <a:t>	</a:t>
+              <a:t>starke Community für Netzneutralität hält dagegen	</a:t>
             </a:r>
           </a:p>
         </p:txBody>
@@ -6535,7 +6541,79 @@
           <a:bodyPr/>
           <a:lstStyle/>
           <a:p>
-            <a:endParaRPr lang="de-CH"/>
+            <a:pPr>
+              <a:spcBef>
+                <a:spcPts val="2400"/>
+              </a:spcBef>
+            </a:pPr>
+            <a:r>
+              <a:rPr lang="de-CH" dirty="0" smtClean="0"/>
+              <a:t>Was ist </a:t>
+            </a:r>
+            <a:r>
+              <a:rPr lang="de-CH" dirty="0" err="1" smtClean="0"/>
+              <a:t>KeyEscrow</a:t>
+            </a:r>
+            <a:r>
+              <a:rPr lang="de-CH" dirty="0" smtClean="0"/>
+              <a:t>?</a:t>
+            </a:r>
+          </a:p>
+          <a:p>
+            <a:pPr>
+              <a:spcBef>
+                <a:spcPts val="2400"/>
+              </a:spcBef>
+            </a:pPr>
+            <a:r>
+              <a:rPr lang="de-CH" dirty="0" smtClean="0"/>
+              <a:t>Geschichte von Key Escrow</a:t>
+            </a:r>
+          </a:p>
+          <a:p>
+            <a:pPr>
+              <a:spcBef>
+                <a:spcPts val="2400"/>
+              </a:spcBef>
+            </a:pPr>
+            <a:r>
+              <a:rPr lang="de-CH" dirty="0" smtClean="0"/>
+              <a:t>Anwendungsgebiete von Key Escrow</a:t>
+            </a:r>
+          </a:p>
+          <a:p>
+            <a:pPr>
+              <a:spcBef>
+                <a:spcPts val="2400"/>
+              </a:spcBef>
+            </a:pPr>
+            <a:r>
+              <a:rPr lang="de-CH" dirty="0" smtClean="0"/>
+              <a:t>Clipper Chip</a:t>
+            </a:r>
+          </a:p>
+          <a:p>
+            <a:pPr>
+              <a:spcBef>
+                <a:spcPts val="2400"/>
+              </a:spcBef>
+            </a:pPr>
+            <a:r>
+              <a:rPr lang="de-CH" dirty="0" smtClean="0"/>
+              <a:t>Feldversuche</a:t>
+            </a:r>
+          </a:p>
+          <a:p>
+            <a:pPr>
+              <a:spcBef>
+                <a:spcPts val="2400"/>
+              </a:spcBef>
+            </a:pPr>
+            <a:r>
+              <a:rPr lang="de-CH" dirty="0" smtClean="0"/>
+              <a:t>Fazit</a:t>
+            </a:r>
+            <a:endParaRPr lang="de-CH" dirty="0"/>
           </a:p>
         </p:txBody>
       </p:sp>
@@ -6575,9 +6653,401 @@
   <p:timing>
     <p:tnLst>
       <p:par>
-        <p:cTn id="1" dur="indefinite" restart="never" nodeType="tmRoot"/>
+        <p:cTn id="1" dur="indefinite" restart="never" nodeType="tmRoot">
+          <p:childTnLst>
+            <p:seq concurrent="1" nextAc="seek">
+              <p:cTn id="2" dur="indefinite" nodeType="mainSeq">
+                <p:childTnLst>
+                  <p:par>
+                    <p:cTn id="3" fill="hold">
+                      <p:stCondLst>
+                        <p:cond delay="indefinite"/>
+                      </p:stCondLst>
+                      <p:childTnLst>
+                        <p:par>
+                          <p:cTn id="4" fill="hold">
+                            <p:stCondLst>
+                              <p:cond delay="0"/>
+                            </p:stCondLst>
+                            <p:childTnLst>
+                              <p:par>
+                                <p:cTn id="5" presetID="10" presetClass="entr" presetSubtype="0" fill="hold" grpId="0" nodeType="clickEffect">
+                                  <p:stCondLst>
+                                    <p:cond delay="0"/>
+                                  </p:stCondLst>
+                                  <p:childTnLst>
+                                    <p:set>
+                                      <p:cBhvr>
+                                        <p:cTn id="6" dur="1" fill="hold">
+                                          <p:stCondLst>
+                                            <p:cond delay="0"/>
+                                          </p:stCondLst>
+                                        </p:cTn>
+                                        <p:tgtEl>
+                                          <p:spTgt spid="2">
+                                            <p:txEl>
+                                              <p:pRg st="0" end="0"/>
+                                            </p:txEl>
+                                          </p:spTgt>
+                                        </p:tgtEl>
+                                        <p:attrNameLst>
+                                          <p:attrName>style.visibility</p:attrName>
+                                        </p:attrNameLst>
+                                      </p:cBhvr>
+                                      <p:to>
+                                        <p:strVal val="visible"/>
+                                      </p:to>
+                                    </p:set>
+                                    <p:animEffect transition="in" filter="fade">
+                                      <p:cBhvr>
+                                        <p:cTn id="7" dur="500"/>
+                                        <p:tgtEl>
+                                          <p:spTgt spid="2">
+                                            <p:txEl>
+                                              <p:pRg st="0" end="0"/>
+                                            </p:txEl>
+                                          </p:spTgt>
+                                        </p:tgtEl>
+                                      </p:cBhvr>
+                                    </p:animEffect>
+                                  </p:childTnLst>
+                                </p:cTn>
+                              </p:par>
+                            </p:childTnLst>
+                          </p:cTn>
+                        </p:par>
+                      </p:childTnLst>
+                    </p:cTn>
+                  </p:par>
+                  <p:par>
+                    <p:cTn id="8" fill="hold">
+                      <p:stCondLst>
+                        <p:cond delay="indefinite"/>
+                      </p:stCondLst>
+                      <p:childTnLst>
+                        <p:par>
+                          <p:cTn id="9" fill="hold">
+                            <p:stCondLst>
+                              <p:cond delay="0"/>
+                            </p:stCondLst>
+                            <p:childTnLst>
+                              <p:par>
+                                <p:cTn id="10" presetID="10" presetClass="entr" presetSubtype="0" fill="hold" grpId="0" nodeType="clickEffect">
+                                  <p:stCondLst>
+                                    <p:cond delay="0"/>
+                                  </p:stCondLst>
+                                  <p:childTnLst>
+                                    <p:set>
+                                      <p:cBhvr>
+                                        <p:cTn id="11" dur="1" fill="hold">
+                                          <p:stCondLst>
+                                            <p:cond delay="0"/>
+                                          </p:stCondLst>
+                                        </p:cTn>
+                                        <p:tgtEl>
+                                          <p:spTgt spid="2">
+                                            <p:txEl>
+                                              <p:pRg st="1" end="1"/>
+                                            </p:txEl>
+                                          </p:spTgt>
+                                        </p:tgtEl>
+                                        <p:attrNameLst>
+                                          <p:attrName>style.visibility</p:attrName>
+                                        </p:attrNameLst>
+                                      </p:cBhvr>
+                                      <p:to>
+                                        <p:strVal val="visible"/>
+                                      </p:to>
+                                    </p:set>
+                                    <p:animEffect transition="in" filter="fade">
+                                      <p:cBhvr>
+                                        <p:cTn id="12" dur="500"/>
+                                        <p:tgtEl>
+                                          <p:spTgt spid="2">
+                                            <p:txEl>
+                                              <p:pRg st="1" end="1"/>
+                                            </p:txEl>
+                                          </p:spTgt>
+                                        </p:tgtEl>
+                                      </p:cBhvr>
+                                    </p:animEffect>
+                                  </p:childTnLst>
+                                </p:cTn>
+                              </p:par>
+                            </p:childTnLst>
+                          </p:cTn>
+                        </p:par>
+                      </p:childTnLst>
+                    </p:cTn>
+                  </p:par>
+                  <p:par>
+                    <p:cTn id="13" fill="hold">
+                      <p:stCondLst>
+                        <p:cond delay="indefinite"/>
+                      </p:stCondLst>
+                      <p:childTnLst>
+                        <p:par>
+                          <p:cTn id="14" fill="hold">
+                            <p:stCondLst>
+                              <p:cond delay="0"/>
+                            </p:stCondLst>
+                            <p:childTnLst>
+                              <p:par>
+                                <p:cTn id="15" presetID="10" presetClass="entr" presetSubtype="0" fill="hold" grpId="0" nodeType="clickEffect">
+                                  <p:stCondLst>
+                                    <p:cond delay="0"/>
+                                  </p:stCondLst>
+                                  <p:childTnLst>
+                                    <p:set>
+                                      <p:cBhvr>
+                                        <p:cTn id="16" dur="1" fill="hold">
+                                          <p:stCondLst>
+                                            <p:cond delay="0"/>
+                                          </p:stCondLst>
+                                        </p:cTn>
+                                        <p:tgtEl>
+                                          <p:spTgt spid="2">
+                                            <p:txEl>
+                                              <p:pRg st="2" end="2"/>
+                                            </p:txEl>
+                                          </p:spTgt>
+                                        </p:tgtEl>
+                                        <p:attrNameLst>
+                                          <p:attrName>style.visibility</p:attrName>
+                                        </p:attrNameLst>
+                                      </p:cBhvr>
+                                      <p:to>
+                                        <p:strVal val="visible"/>
+                                      </p:to>
+                                    </p:set>
+                                    <p:animEffect transition="in" filter="fade">
+                                      <p:cBhvr>
+                                        <p:cTn id="17" dur="500"/>
+                                        <p:tgtEl>
+                                          <p:spTgt spid="2">
+                                            <p:txEl>
+                                              <p:pRg st="2" end="2"/>
+                                            </p:txEl>
+                                          </p:spTgt>
+                                        </p:tgtEl>
+                                      </p:cBhvr>
+                                    </p:animEffect>
+                                  </p:childTnLst>
+                                </p:cTn>
+                              </p:par>
+                            </p:childTnLst>
+                          </p:cTn>
+                        </p:par>
+                      </p:childTnLst>
+                    </p:cTn>
+                  </p:par>
+                  <p:par>
+                    <p:cTn id="18" fill="hold">
+                      <p:stCondLst>
+                        <p:cond delay="indefinite"/>
+                      </p:stCondLst>
+                      <p:childTnLst>
+                        <p:par>
+                          <p:cTn id="19" fill="hold">
+                            <p:stCondLst>
+                              <p:cond delay="0"/>
+                            </p:stCondLst>
+                            <p:childTnLst>
+                              <p:par>
+                                <p:cTn id="20" presetID="10" presetClass="entr" presetSubtype="0" fill="hold" grpId="0" nodeType="clickEffect">
+                                  <p:stCondLst>
+                                    <p:cond delay="0"/>
+                                  </p:stCondLst>
+                                  <p:childTnLst>
+                                    <p:set>
+                                      <p:cBhvr>
+                                        <p:cTn id="21" dur="1" fill="hold">
+                                          <p:stCondLst>
+                                            <p:cond delay="0"/>
+                                          </p:stCondLst>
+                                        </p:cTn>
+                                        <p:tgtEl>
+                                          <p:spTgt spid="2">
+                                            <p:txEl>
+                                              <p:pRg st="3" end="3"/>
+                                            </p:txEl>
+                                          </p:spTgt>
+                                        </p:tgtEl>
+                                        <p:attrNameLst>
+                                          <p:attrName>style.visibility</p:attrName>
+                                        </p:attrNameLst>
+                                      </p:cBhvr>
+                                      <p:to>
+                                        <p:strVal val="visible"/>
+                                      </p:to>
+                                    </p:set>
+                                    <p:animEffect transition="in" filter="fade">
+                                      <p:cBhvr>
+                                        <p:cTn id="22" dur="500"/>
+                                        <p:tgtEl>
+                                          <p:spTgt spid="2">
+                                            <p:txEl>
+                                              <p:pRg st="3" end="3"/>
+                                            </p:txEl>
+                                          </p:spTgt>
+                                        </p:tgtEl>
+                                      </p:cBhvr>
+                                    </p:animEffect>
+                                  </p:childTnLst>
+                                </p:cTn>
+                              </p:par>
+                            </p:childTnLst>
+                          </p:cTn>
+                        </p:par>
+                      </p:childTnLst>
+                    </p:cTn>
+                  </p:par>
+                  <p:par>
+                    <p:cTn id="23" fill="hold">
+                      <p:stCondLst>
+                        <p:cond delay="indefinite"/>
+                      </p:stCondLst>
+                      <p:childTnLst>
+                        <p:par>
+                          <p:cTn id="24" fill="hold">
+                            <p:stCondLst>
+                              <p:cond delay="0"/>
+                            </p:stCondLst>
+                            <p:childTnLst>
+                              <p:par>
+                                <p:cTn id="25" presetID="10" presetClass="entr" presetSubtype="0" fill="hold" grpId="0" nodeType="clickEffect">
+                                  <p:stCondLst>
+                                    <p:cond delay="0"/>
+                                  </p:stCondLst>
+                                  <p:childTnLst>
+                                    <p:set>
+                                      <p:cBhvr>
+                                        <p:cTn id="26" dur="1" fill="hold">
+                                          <p:stCondLst>
+                                            <p:cond delay="0"/>
+                                          </p:stCondLst>
+                                        </p:cTn>
+                                        <p:tgtEl>
+                                          <p:spTgt spid="2">
+                                            <p:txEl>
+                                              <p:pRg st="4" end="4"/>
+                                            </p:txEl>
+                                          </p:spTgt>
+                                        </p:tgtEl>
+                                        <p:attrNameLst>
+                                          <p:attrName>style.visibility</p:attrName>
+                                        </p:attrNameLst>
+                                      </p:cBhvr>
+                                      <p:to>
+                                        <p:strVal val="visible"/>
+                                      </p:to>
+                                    </p:set>
+                                    <p:animEffect transition="in" filter="fade">
+                                      <p:cBhvr>
+                                        <p:cTn id="27" dur="500"/>
+                                        <p:tgtEl>
+                                          <p:spTgt spid="2">
+                                            <p:txEl>
+                                              <p:pRg st="4" end="4"/>
+                                            </p:txEl>
+                                          </p:spTgt>
+                                        </p:tgtEl>
+                                      </p:cBhvr>
+                                    </p:animEffect>
+                                  </p:childTnLst>
+                                </p:cTn>
+                              </p:par>
+                            </p:childTnLst>
+                          </p:cTn>
+                        </p:par>
+                      </p:childTnLst>
+                    </p:cTn>
+                  </p:par>
+                  <p:par>
+                    <p:cTn id="28" fill="hold">
+                      <p:stCondLst>
+                        <p:cond delay="indefinite"/>
+                      </p:stCondLst>
+                      <p:childTnLst>
+                        <p:par>
+                          <p:cTn id="29" fill="hold">
+                            <p:stCondLst>
+                              <p:cond delay="0"/>
+                            </p:stCondLst>
+                            <p:childTnLst>
+                              <p:par>
+                                <p:cTn id="30" presetID="10" presetClass="entr" presetSubtype="0" fill="hold" grpId="0" nodeType="clickEffect">
+                                  <p:stCondLst>
+                                    <p:cond delay="0"/>
+                                  </p:stCondLst>
+                                  <p:childTnLst>
+                                    <p:set>
+                                      <p:cBhvr>
+                                        <p:cTn id="31" dur="1" fill="hold">
+                                          <p:stCondLst>
+                                            <p:cond delay="0"/>
+                                          </p:stCondLst>
+                                        </p:cTn>
+                                        <p:tgtEl>
+                                          <p:spTgt spid="2">
+                                            <p:txEl>
+                                              <p:pRg st="5" end="5"/>
+                                            </p:txEl>
+                                          </p:spTgt>
+                                        </p:tgtEl>
+                                        <p:attrNameLst>
+                                          <p:attrName>style.visibility</p:attrName>
+                                        </p:attrNameLst>
+                                      </p:cBhvr>
+                                      <p:to>
+                                        <p:strVal val="visible"/>
+                                      </p:to>
+                                    </p:set>
+                                    <p:animEffect transition="in" filter="fade">
+                                      <p:cBhvr>
+                                        <p:cTn id="32" dur="500"/>
+                                        <p:tgtEl>
+                                          <p:spTgt spid="2">
+                                            <p:txEl>
+                                              <p:pRg st="5" end="5"/>
+                                            </p:txEl>
+                                          </p:spTgt>
+                                        </p:tgtEl>
+                                      </p:cBhvr>
+                                    </p:animEffect>
+                                  </p:childTnLst>
+                                </p:cTn>
+                              </p:par>
+                            </p:childTnLst>
+                          </p:cTn>
+                        </p:par>
+                      </p:childTnLst>
+                    </p:cTn>
+                  </p:par>
+                </p:childTnLst>
+              </p:cTn>
+              <p:prevCondLst>
+                <p:cond evt="onPrev" delay="0">
+                  <p:tgtEl>
+                    <p:sldTgt/>
+                  </p:tgtEl>
+                </p:cond>
+              </p:prevCondLst>
+              <p:nextCondLst>
+                <p:cond evt="onNext" delay="0">
+                  <p:tgtEl>
+                    <p:sldTgt/>
+                  </p:tgtEl>
+                </p:cond>
+              </p:nextCondLst>
+            </p:seq>
+          </p:childTnLst>
+        </p:cTn>
       </p:par>
     </p:tnLst>
+    <p:bldLst>
+      <p:bldP spid="2" grpId="0" build="p"/>
+    </p:bldLst>
   </p:timing>
 </p:sld>
 </file>
@@ -6633,10 +7103,55 @@
           <a:bodyPr/>
           <a:lstStyle/>
           <a:p>
-            <a:endParaRPr lang="de-CH"/>
-          </a:p>
-        </p:txBody>
-      </p:sp>
+            <a:r>
+              <a:rPr lang="de-CH" dirty="0" smtClean="0"/>
+              <a:t>Was ist Key Escrow?</a:t>
+            </a:r>
+            <a:endParaRPr lang="de-CH" dirty="0"/>
+          </a:p>
+        </p:txBody>
+      </p:sp>
+      <p:pic>
+        <p:nvPicPr>
+          <p:cNvPr id="4" name="Picture 2" descr="W:\_GitHub\Termpaper_KeyEscrow\presentation\keyEscrow.png"/>
+          <p:cNvPicPr>
+            <a:picLocks noChangeAspect="1" noChangeArrowheads="1"/>
+          </p:cNvPicPr>
+          <p:nvPr/>
+        </p:nvPicPr>
+        <p:blipFill>
+          <a:blip r:embed="rId2">
+            <a:extLst>
+              <a:ext uri="{28A0092B-C50C-407E-A947-70E740481C1C}">
+                <a14:useLocalDpi xmlns:a14="http://schemas.microsoft.com/office/drawing/2010/main" val="0"/>
+              </a:ext>
+            </a:extLst>
+          </a:blip>
+          <a:srcRect/>
+          <a:stretch>
+            <a:fillRect/>
+          </a:stretch>
+        </p:blipFill>
+        <p:spPr bwMode="auto">
+          <a:xfrm>
+            <a:off x="827584" y="1544984"/>
+            <a:ext cx="6840760" cy="4276311"/>
+          </a:xfrm>
+          <a:prstGeom prst="rect">
+            <a:avLst/>
+          </a:prstGeom>
+          <a:noFill/>
+          <a:extLst>
+            <a:ext uri="{909E8E84-426E-40DD-AFC4-6F175D3DCCD1}">
+              <a14:hiddenFill xmlns:a14="http://schemas.microsoft.com/office/drawing/2010/main">
+                <a:solidFill>
+                  <a:srgbClr val="FFFFFF"/>
+                </a:solidFill>
+              </a14:hiddenFill>
+            </a:ext>
+          </a:extLst>
+        </p:spPr>
+      </p:pic>
     </p:spTree>
     <p:extLst>
       <p:ext uri="{BB962C8B-B14F-4D97-AF65-F5344CB8AC3E}">
